--- a/ppt.pptx
+++ b/ppt.pptx
@@ -5,7 +5,7 @@
     <p:sldMasterId id="2147483664" r:id="rId1"/>
   </p:sldMasterIdLst>
   <p:notesMasterIdLst>
-    <p:notesMasterId r:id="rId10"/>
+    <p:notesMasterId r:id="rId13"/>
   </p:notesMasterIdLst>
   <p:sldIdLst>
     <p:sldId id="290" r:id="rId2"/>
@@ -15,38 +15,41 @@
     <p:sldId id="262" r:id="rId6"/>
     <p:sldId id="265" r:id="rId7"/>
     <p:sldId id="272" r:id="rId8"/>
-    <p:sldId id="292" r:id="rId9"/>
+    <p:sldId id="293" r:id="rId9"/>
+    <p:sldId id="294" r:id="rId10"/>
+    <p:sldId id="292" r:id="rId11"/>
+    <p:sldId id="295" r:id="rId12"/>
   </p:sldIdLst>
   <p:sldSz cx="9144000" cy="5143500" type="screen16x9"/>
   <p:notesSz cx="6858000" cy="9144000"/>
   <p:embeddedFontLst>
     <p:embeddedFont>
       <p:font typeface="Barlow Semi Condensed" panose="020B0604020202020204" charset="0"/>
-      <p:regular r:id="rId11"/>
-      <p:bold r:id="rId12"/>
-      <p:italic r:id="rId13"/>
-      <p:boldItalic r:id="rId14"/>
+      <p:regular r:id="rId14"/>
+      <p:bold r:id="rId15"/>
+      <p:italic r:id="rId16"/>
+      <p:boldItalic r:id="rId17"/>
     </p:embeddedFont>
     <p:embeddedFont>
       <p:font typeface="Fira Sans Extra Condensed Medium" panose="020B0604020202020204" charset="0"/>
-      <p:regular r:id="rId15"/>
-      <p:bold r:id="rId16"/>
-      <p:italic r:id="rId17"/>
-      <p:boldItalic r:id="rId18"/>
+      <p:regular r:id="rId18"/>
+      <p:bold r:id="rId19"/>
+      <p:italic r:id="rId20"/>
+      <p:boldItalic r:id="rId21"/>
     </p:embeddedFont>
     <p:embeddedFont>
       <p:font typeface="Fjalla One" panose="020B0604020202020204" charset="0"/>
-      <p:regular r:id="rId19"/>
+      <p:regular r:id="rId22"/>
     </p:embeddedFont>
     <p:embeddedFont>
       <p:font typeface="Inconsolata" panose="00000509000000000000" pitchFamily="49" charset="0"/>
-      <p:regular r:id="rId20"/>
-      <p:bold r:id="rId21"/>
+      <p:regular r:id="rId23"/>
+      <p:bold r:id="rId24"/>
     </p:embeddedFont>
     <p:embeddedFont>
       <p:font typeface="Roboto Slab Regular" panose="020B0604020202020204" charset="0"/>
-      <p:regular r:id="rId22"/>
-      <p:bold r:id="rId23"/>
+      <p:regular r:id="rId25"/>
+      <p:bold r:id="rId26"/>
     </p:embeddedFont>
   </p:embeddedFontLst>
   <p:defaultTextStyle>
@@ -1298,7 +1301,7 @@
             <a:avLst/>
           </a:prstGeom>
           <a:solidFill>
-            <a:srgbClr val="FF6D6D"/>
+            <a:schemeClr val="accent1"/>
           </a:solidFill>
           <a:ln>
             <a:noFill/>
@@ -1338,7 +1341,7 @@
             <a:avLst/>
           </a:prstGeom>
           <a:solidFill>
-            <a:srgbClr val="FF6D6D"/>
+            <a:schemeClr val="accent1"/>
           </a:solidFill>
           <a:ln>
             <a:noFill/>
@@ -1401,7 +1404,7 @@
               <a:buNone/>
               <a:defRPr sz="14000">
                 <a:solidFill>
-                  <a:srgbClr val="FF6D6D"/>
+                  <a:schemeClr val="accent1"/>
                 </a:solidFill>
               </a:defRPr>
             </a:lvl1pPr>
@@ -1723,7 +1726,7 @@
             </a:lvl9pPr>
           </a:lstStyle>
           <a:p>
-            <a:endParaRPr/>
+            <a:endParaRPr dirty="0"/>
           </a:p>
         </p:txBody>
       </p:sp>
@@ -2060,7 +2063,7 @@
             </a:lvl9pPr>
           </a:lstStyle>
           <a:p>
-            <a:endParaRPr/>
+            <a:endParaRPr dirty="0"/>
           </a:p>
         </p:txBody>
       </p:sp>
@@ -2102,7 +2105,7 @@
               <a:buNone/>
               <a:defRPr sz="14000">
                 <a:solidFill>
-                  <a:srgbClr val="FF6D6D"/>
+                  <a:schemeClr val="accent1"/>
                 </a:solidFill>
               </a:defRPr>
             </a:lvl1pPr>
@@ -2813,6 +2816,7 @@
           </a:lstStyle>
           <a:p>
             <a:r>
+              <a:rPr dirty="0"/>
               <a:t>xx%</a:t>
             </a:r>
           </a:p>
@@ -2943,7 +2947,7 @@
             </a:lvl9pPr>
           </a:lstStyle>
           <a:p>
-            <a:endParaRPr/>
+            <a:endParaRPr dirty="0"/>
           </a:p>
         </p:txBody>
       </p:sp>
@@ -5213,7 +5217,7 @@
             <a:avLst/>
           </a:prstGeom>
           <a:solidFill>
-            <a:srgbClr val="FF6D6D"/>
+            <a:schemeClr val="accent1"/>
           </a:solidFill>
           <a:ln>
             <a:noFill/>
@@ -8359,7 +8363,7 @@
             <a:avLst/>
           </a:prstGeom>
           <a:solidFill>
-            <a:srgbClr val="FF6D6D"/>
+            <a:schemeClr val="accent1"/>
           </a:solidFill>
           <a:ln>
             <a:noFill/>
@@ -10167,7 +10171,7 @@
             <a:avLst/>
           </a:prstGeom>
           <a:solidFill>
-            <a:srgbClr val="FF6D6D"/>
+            <a:schemeClr val="accent1"/>
           </a:solidFill>
           <a:ln>
             <a:noFill/>
@@ -11975,7 +11979,7 @@
             <a:avLst/>
           </a:prstGeom>
           <a:solidFill>
-            <a:srgbClr val="FF6D6D"/>
+            <a:schemeClr val="accent1"/>
           </a:solidFill>
           <a:ln>
             <a:noFill/>
@@ -13739,7 +13743,7 @@
             <a:avLst/>
           </a:prstGeom>
           <a:solidFill>
-            <a:srgbClr val="FF6D6D"/>
+            <a:schemeClr val="accent1"/>
           </a:solidFill>
           <a:ln>
             <a:noFill/>
@@ -13941,7 +13945,9 @@
             <a:avLst/>
           </a:prstGeom>
           <a:solidFill>
-            <a:srgbClr val="FF6D6D"/>
+            <a:schemeClr val="accent1">
+              <a:alpha val="89804"/>
+            </a:schemeClr>
           </a:solidFill>
           <a:ln>
             <a:noFill/>
@@ -15576,9 +15582,9 @@
             <a:avLst/>
           </a:prstGeom>
           <a:solidFill>
-            <a:srgbClr val="FF6D6D">
+            <a:schemeClr val="accent1">
               <a:alpha val="89804"/>
-            </a:srgbClr>
+            </a:schemeClr>
           </a:solidFill>
           <a:ln>
             <a:noFill/>
@@ -17235,7 +17241,15 @@
           <p:nvPr/>
         </p:nvPicPr>
         <p:blipFill>
-          <a:blip r:embed="rId2"/>
+          <a:blip r:embed="rId2">
+            <a:duotone>
+              <a:prstClr val="black"/>
+              <a:schemeClr val="bg1">
+                <a:tint val="45000"/>
+                <a:satMod val="400000"/>
+              </a:schemeClr>
+            </a:duotone>
+          </a:blip>
           <a:stretch>
             <a:fillRect/>
           </a:stretch>
@@ -17251,6 +17265,775 @@
         </p:spPr>
       </p:pic>
     </p:spTree>
+  </p:cSld>
+  <p:clrMapOvr>
+    <a:masterClrMapping/>
+  </p:clrMapOvr>
+</p:sld>
+</file>
+
+<file path=ppt/slides/slide10.xml><?xml version="1.0" encoding="utf-8"?>
+<p:sld xmlns:a="http://schemas.openxmlformats.org/drawingml/2006/main" xmlns:r="http://schemas.openxmlformats.org/officeDocument/2006/relationships" xmlns:p="http://schemas.openxmlformats.org/presentationml/2006/main">
+  <p:cSld>
+    <p:spTree>
+      <p:nvGrpSpPr>
+        <p:cNvPr id="1" name=""/>
+        <p:cNvGrpSpPr/>
+        <p:nvPr/>
+      </p:nvGrpSpPr>
+      <p:grpSpPr>
+        <a:xfrm>
+          <a:off x="0" y="0"/>
+          <a:ext cx="0" cy="0"/>
+          <a:chOff x="0" y="0"/>
+          <a:chExt cx="0" cy="0"/>
+        </a:xfrm>
+      </p:grpSpPr>
+      <p:sp>
+        <p:nvSpPr>
+          <p:cNvPr id="2" name="Title 1"/>
+          <p:cNvSpPr>
+            <a:spLocks noGrp="1"/>
+          </p:cNvSpPr>
+          <p:nvPr>
+            <p:ph type="ctrTitle"/>
+          </p:nvPr>
+        </p:nvSpPr>
+        <p:spPr/>
+        <p:txBody>
+          <a:bodyPr/>
+          <a:lstStyle/>
+          <a:p>
+            <a:r>
+              <a:rPr lang="en-US" dirty="0"/>
+              <a:t>PRIVACY</a:t>
+            </a:r>
+          </a:p>
+        </p:txBody>
+      </p:sp>
+      <p:sp>
+        <p:nvSpPr>
+          <p:cNvPr id="3" name="Google Shape;180;p9"/>
+          <p:cNvSpPr txBox="1"/>
+          <p:nvPr/>
+        </p:nvSpPr>
+        <p:spPr>
+          <a:xfrm>
+            <a:off x="1691680" y="1709975"/>
+            <a:ext cx="6025872" cy="1723549"/>
+          </a:xfrm>
+          <a:prstGeom prst="rect">
+            <a:avLst/>
+          </a:prstGeom>
+          <a:noFill/>
+          <a:ln>
+            <a:noFill/>
+          </a:ln>
+        </p:spPr>
+        <p:txBody>
+          <a:bodyPr spcFirstLastPara="1" wrap="square" lIns="0" tIns="0" rIns="0" bIns="0" anchor="t" anchorCtr="0">
+            <a:spAutoFit/>
+          </a:bodyPr>
+          <a:lstStyle/>
+          <a:p>
+            <a:pPr marL="152400" indent="0">
+              <a:buNone/>
+            </a:pPr>
+            <a:r>
+              <a:rPr lang="en-US" sz="1400" b="1" i="0" dirty="0">
+                <a:solidFill>
+                  <a:schemeClr val="bg1"/>
+                </a:solidFill>
+                <a:effectLst/>
+                <a:latin typeface="Barlow Semi Condensed" panose="020B0604020202020204" charset="0"/>
+              </a:rPr>
+              <a:t>HOW WE INTEND TO TACKLE PRIVACY ISSUES:</a:t>
+            </a:r>
+          </a:p>
+          <a:p>
+            <a:pPr marL="152400" indent="0">
+              <a:buNone/>
+            </a:pPr>
+            <a:endParaRPr lang="en-US" sz="1400" b="0" i="0" dirty="0">
+              <a:solidFill>
+                <a:schemeClr val="bg1"/>
+              </a:solidFill>
+              <a:effectLst/>
+              <a:latin typeface="Barlow Semi Condensed" panose="020B0604020202020204" charset="0"/>
+            </a:endParaRPr>
+          </a:p>
+          <a:p>
+            <a:pPr marL="152400" indent="0">
+              <a:buNone/>
+            </a:pPr>
+            <a:r>
+              <a:rPr lang="en-US" sz="1400" b="0" i="0" dirty="0">
+                <a:solidFill>
+                  <a:schemeClr val="bg1"/>
+                </a:solidFill>
+                <a:effectLst/>
+                <a:latin typeface="Barlow Semi Condensed" panose="020B0604020202020204" charset="0"/>
+              </a:rPr>
+              <a:t>There will be no servers, yes that is correct. All the data will be shared within the traffic lights through ethernet and discarded as soon as the algorithm is terminated. </a:t>
+            </a:r>
+          </a:p>
+          <a:p>
+            <a:pPr marL="152400" indent="0">
+              <a:buNone/>
+            </a:pPr>
+            <a:endParaRPr lang="en-US" sz="1400" b="0" i="0" dirty="0">
+              <a:solidFill>
+                <a:schemeClr val="bg1"/>
+              </a:solidFill>
+              <a:effectLst/>
+              <a:latin typeface="Barlow Semi Condensed" panose="020B0604020202020204" charset="0"/>
+            </a:endParaRPr>
+          </a:p>
+          <a:p>
+            <a:pPr marL="152400" indent="0">
+              <a:buNone/>
+            </a:pPr>
+            <a:r>
+              <a:rPr lang="en-US" sz="1400" b="0" i="0" dirty="0">
+                <a:solidFill>
+                  <a:schemeClr val="bg1"/>
+                </a:solidFill>
+                <a:effectLst/>
+                <a:latin typeface="Barlow Semi Condensed" panose="020B0604020202020204" charset="0"/>
+              </a:rPr>
+              <a:t>Our model can detect and label different objects like person, car, etc and to ensure greater privacy, with the help of OpenCV we can easily blur portions of sensitive data points before feeding the data into the model.</a:t>
+            </a:r>
+            <a:endParaRPr sz="1200" dirty="0">
+              <a:solidFill>
+                <a:schemeClr val="bg1"/>
+              </a:solidFill>
+              <a:latin typeface="Barlow Semi Condensed" panose="020B0604020202020204" charset="0"/>
+            </a:endParaRPr>
+          </a:p>
+        </p:txBody>
+      </p:sp>
+    </p:spTree>
+  </p:cSld>
+  <p:clrMapOvr>
+    <a:masterClrMapping/>
+  </p:clrMapOvr>
+</p:sld>
+</file>
+
+<file path=ppt/slides/slide11.xml><?xml version="1.0" encoding="utf-8"?>
+<p:sld xmlns:a="http://schemas.openxmlformats.org/drawingml/2006/main" xmlns:r="http://schemas.openxmlformats.org/officeDocument/2006/relationships" xmlns:p="http://schemas.openxmlformats.org/presentationml/2006/main">
+  <p:cSld>
+    <p:spTree>
+      <p:nvGrpSpPr>
+        <p:cNvPr id="1" name=""/>
+        <p:cNvGrpSpPr/>
+        <p:nvPr/>
+      </p:nvGrpSpPr>
+      <p:grpSpPr>
+        <a:xfrm>
+          <a:off x="0" y="0"/>
+          <a:ext cx="0" cy="0"/>
+          <a:chOff x="0" y="0"/>
+          <a:chExt cx="0" cy="0"/>
+        </a:xfrm>
+      </p:grpSpPr>
+      <p:sp>
+        <p:nvSpPr>
+          <p:cNvPr id="2" name="Title 1"/>
+          <p:cNvSpPr>
+            <a:spLocks noGrp="1"/>
+          </p:cNvSpPr>
+          <p:nvPr>
+            <p:ph type="ctrTitle"/>
+          </p:nvPr>
+        </p:nvSpPr>
+        <p:spPr/>
+        <p:txBody>
+          <a:bodyPr/>
+          <a:lstStyle/>
+          <a:p>
+            <a:r>
+              <a:rPr lang="en-US" dirty="0"/>
+              <a:t>CONCLUSION</a:t>
+            </a:r>
+          </a:p>
+        </p:txBody>
+      </p:sp>
+      <p:sp>
+        <p:nvSpPr>
+          <p:cNvPr id="3" name="Google Shape;180;p9"/>
+          <p:cNvSpPr txBox="1"/>
+          <p:nvPr/>
+        </p:nvSpPr>
+        <p:spPr>
+          <a:xfrm>
+            <a:off x="1691680" y="1419622"/>
+            <a:ext cx="6025872" cy="3102388"/>
+          </a:xfrm>
+          <a:prstGeom prst="rect">
+            <a:avLst/>
+          </a:prstGeom>
+          <a:noFill/>
+          <a:ln>
+            <a:noFill/>
+          </a:ln>
+        </p:spPr>
+        <p:txBody>
+          <a:bodyPr spcFirstLastPara="1" wrap="square" lIns="0" tIns="0" rIns="0" bIns="0" anchor="t" anchorCtr="0">
+            <a:spAutoFit/>
+          </a:bodyPr>
+          <a:lstStyle/>
+          <a:p>
+            <a:pPr marL="0" marR="0" lvl="0" indent="0" algn="l" rtl="0">
+              <a:lnSpc>
+                <a:spcPct val="140014"/>
+              </a:lnSpc>
+              <a:spcBef>
+                <a:spcPts val="0"/>
+              </a:spcBef>
+              <a:spcAft>
+                <a:spcPts val="0"/>
+              </a:spcAft>
+              <a:buNone/>
+            </a:pPr>
+            <a:r>
+              <a:rPr lang="en-US" sz="1200" dirty="0">
+                <a:solidFill>
+                  <a:schemeClr val="bg1"/>
+                </a:solidFill>
+                <a:latin typeface="Barlow Semi Condensed" panose="020B0604020202020204" charset="0"/>
+                <a:ea typeface="Muli"/>
+                <a:cs typeface="Muli"/>
+                <a:sym typeface="Muli"/>
+              </a:rPr>
+              <a:t>Our model is infused with a </a:t>
+            </a:r>
+            <a:r>
+              <a:rPr lang="en-US" sz="1200" b="1" dirty="0">
+                <a:solidFill>
+                  <a:schemeClr val="bg1"/>
+                </a:solidFill>
+                <a:latin typeface="Barlow Semi Condensed" panose="020B0604020202020204" charset="0"/>
+                <a:ea typeface="Muli"/>
+                <a:cs typeface="Muli"/>
+                <a:sym typeface="Muli"/>
+              </a:rPr>
+              <a:t>special mode</a:t>
+            </a:r>
+            <a:r>
+              <a:rPr lang="en-US" sz="1200" dirty="0">
+                <a:solidFill>
+                  <a:schemeClr val="bg1"/>
+                </a:solidFill>
+                <a:latin typeface="Barlow Semi Condensed" panose="020B0604020202020204" charset="0"/>
+                <a:ea typeface="Muli"/>
+                <a:cs typeface="Muli"/>
+                <a:sym typeface="Muli"/>
+              </a:rPr>
+              <a:t> that creates a '</a:t>
+            </a:r>
+            <a:r>
+              <a:rPr lang="en-US" sz="1200" b="1" dirty="0">
+                <a:solidFill>
+                  <a:schemeClr val="bg1"/>
+                </a:solidFill>
+                <a:latin typeface="Barlow Semi Condensed" panose="020B0604020202020204" charset="0"/>
+                <a:ea typeface="Muli"/>
+                <a:cs typeface="Muli"/>
+                <a:sym typeface="Muli"/>
+              </a:rPr>
+              <a:t>green-corridor</a:t>
+            </a:r>
+            <a:r>
+              <a:rPr lang="en-US" sz="1200" dirty="0">
+                <a:solidFill>
+                  <a:schemeClr val="bg1"/>
+                </a:solidFill>
+                <a:latin typeface="Barlow Semi Condensed" panose="020B0604020202020204" charset="0"/>
+                <a:ea typeface="Muli"/>
+                <a:cs typeface="Muli"/>
+                <a:sym typeface="Muli"/>
+              </a:rPr>
+              <a:t>' for permitted </a:t>
+            </a:r>
+          </a:p>
+          <a:p>
+            <a:pPr marL="0" marR="0" lvl="0" indent="0" algn="l" rtl="0">
+              <a:lnSpc>
+                <a:spcPct val="140014"/>
+              </a:lnSpc>
+              <a:spcBef>
+                <a:spcPts val="0"/>
+              </a:spcBef>
+              <a:spcAft>
+                <a:spcPts val="0"/>
+              </a:spcAft>
+              <a:buNone/>
+            </a:pPr>
+            <a:r>
+              <a:rPr lang="en-US" sz="1200" dirty="0">
+                <a:solidFill>
+                  <a:schemeClr val="bg1"/>
+                </a:solidFill>
+                <a:latin typeface="Barlow Semi Condensed" panose="020B0604020202020204" charset="0"/>
+                <a:ea typeface="Muli"/>
+                <a:cs typeface="Muli"/>
+                <a:sym typeface="Muli"/>
+              </a:rPr>
+              <a:t>vehicles  which can be enabled via app.</a:t>
+            </a:r>
+            <a:endParaRPr sz="1200" dirty="0">
+              <a:solidFill>
+                <a:schemeClr val="bg1"/>
+              </a:solidFill>
+              <a:latin typeface="Barlow Semi Condensed" panose="020B0604020202020204" charset="0"/>
+            </a:endParaRPr>
+          </a:p>
+          <a:p>
+            <a:pPr marL="0" marR="0" lvl="0" indent="0" algn="l" rtl="0">
+              <a:lnSpc>
+                <a:spcPct val="140014"/>
+              </a:lnSpc>
+              <a:spcBef>
+                <a:spcPts val="0"/>
+              </a:spcBef>
+              <a:spcAft>
+                <a:spcPts val="0"/>
+              </a:spcAft>
+              <a:buNone/>
+            </a:pPr>
+            <a:endParaRPr sz="1200" dirty="0">
+              <a:solidFill>
+                <a:schemeClr val="bg1"/>
+              </a:solidFill>
+              <a:latin typeface="Barlow Semi Condensed" panose="020B0604020202020204" charset="0"/>
+              <a:ea typeface="Muli"/>
+              <a:cs typeface="Muli"/>
+              <a:sym typeface="Muli"/>
+            </a:endParaRPr>
+          </a:p>
+          <a:p>
+            <a:pPr marL="0" marR="0" lvl="0" indent="0" algn="l" rtl="0">
+              <a:lnSpc>
+                <a:spcPct val="139964"/>
+              </a:lnSpc>
+              <a:spcBef>
+                <a:spcPts val="0"/>
+              </a:spcBef>
+              <a:spcAft>
+                <a:spcPts val="0"/>
+              </a:spcAft>
+              <a:buNone/>
+            </a:pPr>
+            <a:r>
+              <a:rPr lang="en-US" sz="1200" dirty="0">
+                <a:solidFill>
+                  <a:schemeClr val="bg1"/>
+                </a:solidFill>
+                <a:latin typeface="Barlow Semi Condensed" panose="020B0604020202020204" charset="0"/>
+                <a:ea typeface="Muli"/>
+                <a:cs typeface="Muli"/>
+                <a:sym typeface="Muli"/>
+              </a:rPr>
+              <a:t>We intend to run a </a:t>
+            </a:r>
+            <a:r>
+              <a:rPr lang="en-US" sz="1200" b="1" dirty="0">
+                <a:solidFill>
+                  <a:schemeClr val="bg1"/>
+                </a:solidFill>
+                <a:latin typeface="Barlow Semi Condensed" panose="020B0604020202020204" charset="0"/>
+                <a:ea typeface="Muli"/>
+                <a:cs typeface="Muli"/>
+                <a:sym typeface="Muli"/>
+              </a:rPr>
+              <a:t>prediction model</a:t>
+            </a:r>
+            <a:r>
+              <a:rPr lang="en-US" sz="1200" dirty="0">
+                <a:solidFill>
+                  <a:schemeClr val="bg1"/>
+                </a:solidFill>
+                <a:latin typeface="Barlow Semi Condensed" panose="020B0604020202020204" charset="0"/>
+                <a:ea typeface="Muli"/>
+                <a:cs typeface="Muli"/>
+                <a:sym typeface="Muli"/>
+              </a:rPr>
+              <a:t> so that we can predict the</a:t>
+            </a:r>
+            <a:endParaRPr sz="1200" dirty="0">
+              <a:solidFill>
+                <a:schemeClr val="bg1"/>
+              </a:solidFill>
+              <a:latin typeface="Barlow Semi Condensed" panose="020B0604020202020204" charset="0"/>
+            </a:endParaRPr>
+          </a:p>
+          <a:p>
+            <a:pPr marL="0" marR="0" lvl="0" indent="0" algn="l" rtl="0">
+              <a:lnSpc>
+                <a:spcPct val="139964"/>
+              </a:lnSpc>
+              <a:spcBef>
+                <a:spcPts val="0"/>
+              </a:spcBef>
+              <a:spcAft>
+                <a:spcPts val="0"/>
+              </a:spcAft>
+              <a:buNone/>
+            </a:pPr>
+            <a:r>
+              <a:rPr lang="en-US" sz="1200" dirty="0">
+                <a:solidFill>
+                  <a:schemeClr val="bg1"/>
+                </a:solidFill>
+                <a:latin typeface="Barlow Semi Condensed" panose="020B0604020202020204" charset="0"/>
+                <a:ea typeface="Muli"/>
+                <a:cs typeface="Muli"/>
+                <a:sym typeface="Muli"/>
+              </a:rPr>
+              <a:t> future traffic conditions and make our system more efficient.</a:t>
+            </a:r>
+            <a:endParaRPr sz="1200" dirty="0">
+              <a:solidFill>
+                <a:schemeClr val="bg1"/>
+              </a:solidFill>
+              <a:latin typeface="Barlow Semi Condensed" panose="020B0604020202020204" charset="0"/>
+            </a:endParaRPr>
+          </a:p>
+          <a:p>
+            <a:pPr marL="0" marR="0" lvl="0" indent="0" algn="l" rtl="0">
+              <a:lnSpc>
+                <a:spcPct val="139964"/>
+              </a:lnSpc>
+              <a:spcBef>
+                <a:spcPts val="0"/>
+              </a:spcBef>
+              <a:spcAft>
+                <a:spcPts val="0"/>
+              </a:spcAft>
+              <a:buNone/>
+            </a:pPr>
+            <a:endParaRPr sz="1200" dirty="0">
+              <a:solidFill>
+                <a:schemeClr val="bg1"/>
+              </a:solidFill>
+              <a:latin typeface="Barlow Semi Condensed" panose="020B0604020202020204" charset="0"/>
+              <a:ea typeface="Muli"/>
+              <a:cs typeface="Muli"/>
+              <a:sym typeface="Muli"/>
+            </a:endParaRPr>
+          </a:p>
+          <a:p>
+            <a:pPr marL="0" marR="0" lvl="0" indent="0" algn="l" rtl="0">
+              <a:lnSpc>
+                <a:spcPct val="140014"/>
+              </a:lnSpc>
+              <a:spcBef>
+                <a:spcPts val="0"/>
+              </a:spcBef>
+              <a:spcAft>
+                <a:spcPts val="0"/>
+              </a:spcAft>
+              <a:buNone/>
+            </a:pPr>
+            <a:r>
+              <a:rPr lang="en-US" sz="1200" dirty="0">
+                <a:solidFill>
+                  <a:schemeClr val="bg1"/>
+                </a:solidFill>
+                <a:latin typeface="Barlow Semi Condensed" panose="020B0604020202020204" charset="0"/>
+                <a:ea typeface="Muli"/>
+                <a:cs typeface="Muli"/>
+                <a:sym typeface="Muli"/>
+              </a:rPr>
+              <a:t>Moreover, we also plan to </a:t>
+            </a:r>
+            <a:r>
+              <a:rPr lang="en-US" sz="1200" b="1" dirty="0">
+                <a:solidFill>
+                  <a:schemeClr val="bg1"/>
+                </a:solidFill>
+                <a:latin typeface="Barlow Semi Condensed" panose="020B0604020202020204" charset="0"/>
+                <a:ea typeface="Muli"/>
+                <a:cs typeface="Muli"/>
+                <a:sym typeface="Muli"/>
+              </a:rPr>
+              <a:t>deploy an app</a:t>
+            </a:r>
+            <a:r>
+              <a:rPr lang="en-US" sz="1200" dirty="0">
+                <a:solidFill>
+                  <a:schemeClr val="bg1"/>
+                </a:solidFill>
+                <a:latin typeface="Barlow Semi Condensed" panose="020B0604020202020204" charset="0"/>
+                <a:ea typeface="Muli"/>
+                <a:cs typeface="Muli"/>
+                <a:sym typeface="Muli"/>
+              </a:rPr>
+              <a:t> that can give the user </a:t>
+            </a:r>
+            <a:endParaRPr sz="1200" dirty="0">
+              <a:solidFill>
+                <a:schemeClr val="bg1"/>
+              </a:solidFill>
+              <a:latin typeface="Barlow Semi Condensed" panose="020B0604020202020204" charset="0"/>
+            </a:endParaRPr>
+          </a:p>
+          <a:p>
+            <a:pPr marL="0" marR="0" lvl="0" indent="0" algn="l" rtl="0">
+              <a:lnSpc>
+                <a:spcPct val="140014"/>
+              </a:lnSpc>
+              <a:spcBef>
+                <a:spcPts val="0"/>
+              </a:spcBef>
+              <a:spcAft>
+                <a:spcPts val="0"/>
+              </a:spcAft>
+              <a:buNone/>
+            </a:pPr>
+            <a:r>
+              <a:rPr lang="en-US" sz="1200" dirty="0">
+                <a:solidFill>
+                  <a:schemeClr val="bg1"/>
+                </a:solidFill>
+                <a:latin typeface="Barlow Semi Condensed" panose="020B0604020202020204" charset="0"/>
+                <a:ea typeface="Muli"/>
+                <a:cs typeface="Muli"/>
+                <a:sym typeface="Muli"/>
+              </a:rPr>
+              <a:t>average traffic conditions in their surroundings and optimize their </a:t>
+            </a:r>
+            <a:endParaRPr sz="1200" dirty="0">
+              <a:solidFill>
+                <a:schemeClr val="bg1"/>
+              </a:solidFill>
+              <a:latin typeface="Barlow Semi Condensed" panose="020B0604020202020204" charset="0"/>
+            </a:endParaRPr>
+          </a:p>
+          <a:p>
+            <a:pPr marL="0" marR="0" lvl="0" indent="0" algn="l" rtl="0">
+              <a:lnSpc>
+                <a:spcPct val="140014"/>
+              </a:lnSpc>
+              <a:spcBef>
+                <a:spcPts val="0"/>
+              </a:spcBef>
+              <a:spcAft>
+                <a:spcPts val="0"/>
+              </a:spcAft>
+              <a:buNone/>
+            </a:pPr>
+            <a:r>
+              <a:rPr lang="en-US" sz="1200" dirty="0">
+                <a:solidFill>
+                  <a:schemeClr val="bg1"/>
+                </a:solidFill>
+                <a:latin typeface="Barlow Semi Condensed" panose="020B0604020202020204" charset="0"/>
+                <a:ea typeface="Muli"/>
+                <a:cs typeface="Muli"/>
+                <a:sym typeface="Muli"/>
+              </a:rPr>
+              <a:t>routes accordingly assisting them with </a:t>
+            </a:r>
+            <a:r>
+              <a:rPr lang="en-US" sz="1200" b="1" dirty="0">
+                <a:solidFill>
+                  <a:schemeClr val="bg1"/>
+                </a:solidFill>
+                <a:latin typeface="Barlow Semi Condensed" panose="020B0604020202020204" charset="0"/>
+                <a:ea typeface="Muli"/>
+                <a:cs typeface="Muli"/>
+                <a:sym typeface="Muli"/>
+              </a:rPr>
+              <a:t>ETAs and Shorter routes</a:t>
+            </a:r>
+            <a:r>
+              <a:rPr lang="en-US" sz="1200" dirty="0">
+                <a:solidFill>
+                  <a:schemeClr val="bg1"/>
+                </a:solidFill>
+                <a:latin typeface="Barlow Semi Condensed" panose="020B0604020202020204" charset="0"/>
+                <a:ea typeface="Muli"/>
+                <a:cs typeface="Muli"/>
+                <a:sym typeface="Muli"/>
+              </a:rPr>
+              <a:t>.</a:t>
+            </a:r>
+            <a:endParaRPr sz="1200" dirty="0">
+              <a:solidFill>
+                <a:schemeClr val="bg1"/>
+              </a:solidFill>
+              <a:latin typeface="Barlow Semi Condensed" panose="020B0604020202020204" charset="0"/>
+            </a:endParaRPr>
+          </a:p>
+          <a:p>
+            <a:pPr marL="0" marR="0" lvl="0" indent="0" algn="l" rtl="0">
+              <a:lnSpc>
+                <a:spcPct val="140014"/>
+              </a:lnSpc>
+              <a:spcBef>
+                <a:spcPts val="0"/>
+              </a:spcBef>
+              <a:spcAft>
+                <a:spcPts val="0"/>
+              </a:spcAft>
+              <a:buNone/>
+            </a:pPr>
+            <a:endParaRPr sz="1200" dirty="0">
+              <a:solidFill>
+                <a:schemeClr val="bg1"/>
+              </a:solidFill>
+              <a:latin typeface="Barlow Semi Condensed" panose="020B0604020202020204" charset="0"/>
+              <a:ea typeface="Muli"/>
+              <a:cs typeface="Muli"/>
+              <a:sym typeface="Muli"/>
+            </a:endParaRPr>
+          </a:p>
+          <a:p>
+            <a:pPr marL="0" marR="0" lvl="0" indent="0" algn="l" rtl="0">
+              <a:lnSpc>
+                <a:spcPct val="140014"/>
+              </a:lnSpc>
+              <a:spcBef>
+                <a:spcPts val="0"/>
+              </a:spcBef>
+              <a:spcAft>
+                <a:spcPts val="0"/>
+              </a:spcAft>
+              <a:buNone/>
+            </a:pPr>
+            <a:r>
+              <a:rPr lang="en-US" sz="1200" dirty="0">
+                <a:solidFill>
+                  <a:schemeClr val="bg1"/>
+                </a:solidFill>
+                <a:latin typeface="Barlow Semi Condensed" panose="020B0604020202020204" charset="0"/>
+                <a:ea typeface="Muli"/>
+                <a:cs typeface="Muli"/>
+                <a:sym typeface="Muli"/>
+              </a:rPr>
+              <a:t>We can expand our model to cover </a:t>
+            </a:r>
+            <a:r>
+              <a:rPr lang="en-US" sz="1200" b="1" dirty="0">
+                <a:solidFill>
+                  <a:schemeClr val="bg1"/>
+                </a:solidFill>
+                <a:latin typeface="Barlow Semi Condensed" panose="020B0604020202020204" charset="0"/>
+                <a:ea typeface="Muli"/>
+                <a:cs typeface="Muli"/>
+                <a:sym typeface="Muli"/>
+              </a:rPr>
+              <a:t>intersections</a:t>
+            </a:r>
+            <a:r>
+              <a:rPr lang="en-US" sz="1200" dirty="0">
+                <a:solidFill>
+                  <a:schemeClr val="bg1"/>
+                </a:solidFill>
+                <a:latin typeface="Barlow Semi Condensed" panose="020B0604020202020204" charset="0"/>
+                <a:ea typeface="Muli"/>
+                <a:cs typeface="Muli"/>
+                <a:sym typeface="Muli"/>
+              </a:rPr>
+              <a:t>, </a:t>
+            </a:r>
+            <a:r>
+              <a:rPr lang="en-US" sz="1200" b="1" dirty="0">
+                <a:solidFill>
+                  <a:schemeClr val="bg1"/>
+                </a:solidFill>
+                <a:latin typeface="Barlow Semi Condensed" panose="020B0604020202020204" charset="0"/>
+                <a:ea typeface="Muli"/>
+                <a:cs typeface="Muli"/>
+                <a:sym typeface="Muli"/>
+              </a:rPr>
+              <a:t>T-points</a:t>
+            </a:r>
+            <a:r>
+              <a:rPr lang="en-US" sz="1200" dirty="0">
+                <a:solidFill>
+                  <a:schemeClr val="bg1"/>
+                </a:solidFill>
+                <a:latin typeface="Barlow Semi Condensed" panose="020B0604020202020204" charset="0"/>
+                <a:ea typeface="Muli"/>
+                <a:cs typeface="Muli"/>
+                <a:sym typeface="Muli"/>
+              </a:rPr>
+              <a:t> </a:t>
+            </a:r>
+            <a:endParaRPr sz="1200" dirty="0">
+              <a:solidFill>
+                <a:schemeClr val="bg1"/>
+              </a:solidFill>
+              <a:latin typeface="Barlow Semi Condensed" panose="020B0604020202020204" charset="0"/>
+            </a:endParaRPr>
+          </a:p>
+          <a:p>
+            <a:pPr marL="0" marR="0" lvl="0" indent="0" algn="l" rtl="0">
+              <a:lnSpc>
+                <a:spcPct val="140050"/>
+              </a:lnSpc>
+              <a:spcBef>
+                <a:spcPts val="0"/>
+              </a:spcBef>
+              <a:spcAft>
+                <a:spcPts val="0"/>
+              </a:spcAft>
+              <a:buNone/>
+            </a:pPr>
+            <a:r>
+              <a:rPr lang="en-US" sz="1200" dirty="0">
+                <a:solidFill>
+                  <a:schemeClr val="bg1"/>
+                </a:solidFill>
+                <a:latin typeface="Barlow Semi Condensed" panose="020B0604020202020204" charset="0"/>
+                <a:ea typeface="Muli"/>
+                <a:cs typeface="Muli"/>
+                <a:sym typeface="Muli"/>
+              </a:rPr>
+              <a:t>and </a:t>
+            </a:r>
+            <a:r>
+              <a:rPr lang="en-US" sz="1200" b="1" dirty="0">
+                <a:solidFill>
+                  <a:schemeClr val="bg1"/>
+                </a:solidFill>
+                <a:latin typeface="Barlow Semi Condensed" panose="020B0604020202020204" charset="0"/>
+                <a:ea typeface="Muli"/>
+                <a:cs typeface="Muli"/>
+                <a:sym typeface="Muli"/>
+              </a:rPr>
+              <a:t>express highways</a:t>
+            </a:r>
+            <a:r>
+              <a:rPr lang="en-US" sz="1200" dirty="0">
+                <a:solidFill>
+                  <a:schemeClr val="bg1"/>
+                </a:solidFill>
+                <a:latin typeface="Barlow Semi Condensed" panose="020B0604020202020204" charset="0"/>
+                <a:ea typeface="Muli"/>
+                <a:cs typeface="Muli"/>
+                <a:sym typeface="Muli"/>
+              </a:rPr>
+              <a:t>.</a:t>
+            </a:r>
+            <a:endParaRPr sz="1200" dirty="0">
+              <a:solidFill>
+                <a:schemeClr val="bg1"/>
+              </a:solidFill>
+              <a:latin typeface="Barlow Semi Condensed" panose="020B0604020202020204" charset="0"/>
+            </a:endParaRPr>
+          </a:p>
+        </p:txBody>
+      </p:sp>
+    </p:spTree>
+    <p:extLst>
+      <p:ext uri="{BB962C8B-B14F-4D97-AF65-F5344CB8AC3E}">
+        <p14:creationId xmlns:p14="http://schemas.microsoft.com/office/powerpoint/2010/main" val="503539793"/>
+      </p:ext>
+    </p:extLst>
   </p:cSld>
   <p:clrMapOvr>
     <a:masterClrMapping/>
@@ -17531,7 +18314,7 @@
               <a:rPr lang="es" dirty="0"/>
               <a:t>03</a:t>
             </a:r>
-            <a:endParaRPr/>
+            <a:endParaRPr dirty="0"/>
           </a:p>
         </p:txBody>
       </p:sp>
@@ -17573,7 +18356,7 @@
               <a:rPr lang="es" dirty="0"/>
               <a:t>HOW DOES THE PROTOTYPE WORK?</a:t>
             </a:r>
-            <a:endParaRPr/>
+            <a:endParaRPr dirty="0"/>
           </a:p>
         </p:txBody>
       </p:sp>
@@ -17655,9 +18438,9 @@
             </a:pPr>
             <a:r>
               <a:rPr lang="es" dirty="0"/>
-              <a:t>CONCLUSION</a:t>
+              <a:t>BUSINESS MODEL</a:t>
             </a:r>
-            <a:endParaRPr/>
+            <a:endParaRPr dirty="0"/>
           </a:p>
         </p:txBody>
       </p:sp>
@@ -17861,10 +18644,10 @@
               <a:buNone/>
             </a:pPr>
             <a:r>
-              <a:rPr lang="es"/>
+              <a:rPr lang="es" dirty="0"/>
               <a:t>UNDERSTANDING THE PROBLEM</a:t>
             </a:r>
-            <a:endParaRPr/>
+            <a:endParaRPr dirty="0"/>
           </a:p>
         </p:txBody>
       </p:sp>
@@ -19298,7 +20081,7 @@
         </p:nvSpPr>
         <p:spPr>
           <a:xfrm>
-            <a:off x="1714480" y="828473"/>
+            <a:off x="1711962" y="555526"/>
             <a:ext cx="6072230" cy="4315027"/>
           </a:xfrm>
           <a:prstGeom prst="rect">
@@ -19850,7 +20633,7 @@
             <a:r>
               <a:rPr lang="en-US" b="1" u="sng" dirty="0" err="1">
                 <a:solidFill>
-                  <a:srgbClr val="FFBD59"/>
+                  <a:schemeClr val="tx1"/>
                 </a:solidFill>
                 <a:latin typeface="Muli"/>
                 <a:ea typeface="Muli"/>
@@ -19862,7 +20645,7 @@
             <a:r>
               <a:rPr lang="en-US" b="1" u="sng" dirty="0">
                 <a:solidFill>
-                  <a:srgbClr val="FFBD59"/>
+                  <a:schemeClr val="tx1"/>
                 </a:solidFill>
                 <a:latin typeface="Muli"/>
                 <a:ea typeface="Muli"/>
@@ -19871,7 +20654,11 @@
               </a:rPr>
               <a:t> Bharat</a:t>
             </a:r>
-            <a:endParaRPr lang="en-US" dirty="0"/>
+            <a:endParaRPr lang="en-US" dirty="0">
+              <a:solidFill>
+                <a:schemeClr val="tx1"/>
+              </a:solidFill>
+            </a:endParaRPr>
           </a:p>
         </p:txBody>
       </p:sp>
@@ -19983,7 +20770,7 @@
                 </a:pathLst>
               </a:custGeom>
               <a:solidFill>
-                <a:srgbClr val="FF6D6D"/>
+                <a:schemeClr val="accent1"/>
               </a:solidFill>
               <a:ln>
                 <a:noFill/>
@@ -20004,7 +20791,7 @@
                   </a:spcAft>
                   <a:buNone/>
                 </a:pPr>
-                <a:endParaRPr/>
+                <a:endParaRPr dirty="0"/>
               </a:p>
             </p:txBody>
           </p:sp>
@@ -20055,7 +20842,7 @@
                 </a:pathLst>
               </a:custGeom>
               <a:solidFill>
-                <a:srgbClr val="FF6D6D"/>
+                <a:schemeClr val="accent1"/>
               </a:solidFill>
               <a:ln>
                 <a:noFill/>
@@ -20199,7 +20986,7 @@
                 </a:pathLst>
               </a:custGeom>
               <a:solidFill>
-                <a:srgbClr val="FF6D6D"/>
+                <a:schemeClr val="accent1"/>
               </a:solidFill>
               <a:ln>
                 <a:noFill/>
@@ -20343,7 +21130,7 @@
                 </a:pathLst>
               </a:custGeom>
               <a:solidFill>
-                <a:srgbClr val="FF6D6D"/>
+                <a:schemeClr val="accent1"/>
               </a:solidFill>
               <a:ln>
                 <a:noFill/>
@@ -20364,7 +21151,7 @@
                   </a:spcAft>
                   <a:buNone/>
                 </a:pPr>
-                <a:endParaRPr/>
+                <a:endParaRPr dirty="0"/>
               </a:p>
             </p:txBody>
           </p:sp>
@@ -20415,7 +21202,7 @@
                 </a:pathLst>
               </a:custGeom>
               <a:solidFill>
-                <a:srgbClr val="FF6D6D"/>
+                <a:schemeClr val="accent1"/>
               </a:solidFill>
               <a:ln>
                 <a:noFill/>
@@ -20436,7 +21223,7 @@
                   </a:spcAft>
                   <a:buNone/>
                 </a:pPr>
-                <a:endParaRPr/>
+                <a:endParaRPr dirty="0"/>
               </a:p>
             </p:txBody>
           </p:sp>
@@ -22659,7 +23446,7 @@
             <a:avLst/>
           </a:prstGeom>
           <a:solidFill>
-            <a:srgbClr val="FF6D6D"/>
+            <a:schemeClr val="accent1"/>
           </a:solidFill>
           <a:ln>
             <a:noFill/>
@@ -22735,7 +23522,7 @@
         <p:spPr>
           <a:xfrm>
             <a:off x="1643042" y="1357304"/>
-            <a:ext cx="5500726" cy="3102388"/>
+            <a:ext cx="5500726" cy="2111347"/>
           </a:xfrm>
           <a:prstGeom prst="rect">
             <a:avLst/>
@@ -22764,9 +23551,9 @@
               <a:buNone/>
             </a:pPr>
             <a:r>
-              <a:rPr lang="en-US" sz="1800" dirty="0">
+              <a:rPr lang="en-US" dirty="0">
                 <a:solidFill>
-                  <a:schemeClr val="tx1"/>
+                  <a:schemeClr val="bg1"/>
                 </a:solidFill>
                 <a:latin typeface="Barlow Semi Condensed" panose="020B0604020202020204" charset="0"/>
                 <a:ea typeface="Muli"/>
@@ -22775,9 +23562,9 @@
               </a:rPr>
               <a:t>The video stream received from the camera is passed through our AI, then based on the traffic conditions of the road, it is classified into 2 major classes.</a:t>
             </a:r>
-            <a:endParaRPr sz="1050" dirty="0">
+            <a:endParaRPr dirty="0">
               <a:solidFill>
-                <a:schemeClr val="tx1"/>
+                <a:schemeClr val="bg1"/>
               </a:solidFill>
               <a:latin typeface="Barlow Semi Condensed" panose="020B0604020202020204" charset="0"/>
             </a:endParaRPr>
@@ -22795,9 +23582,9 @@
               </a:spcAft>
               <a:buNone/>
             </a:pPr>
-            <a:endParaRPr sz="1800" dirty="0">
+            <a:endParaRPr dirty="0">
               <a:solidFill>
-                <a:schemeClr val="tx1"/>
+                <a:schemeClr val="bg1"/>
               </a:solidFill>
               <a:latin typeface="Barlow Semi Condensed" panose="020B0604020202020204" charset="0"/>
               <a:ea typeface="Muli"/>
@@ -22819,9 +23606,9 @@
               <a:buNone/>
             </a:pPr>
             <a:r>
-              <a:rPr lang="en-US" sz="1800" dirty="0" err="1">
+              <a:rPr lang="en-US" b="1" dirty="0" err="1">
                 <a:solidFill>
-                  <a:schemeClr val="tx1"/>
+                  <a:schemeClr val="bg1"/>
                 </a:solidFill>
                 <a:latin typeface="Barlow Semi Condensed" panose="020B0604020202020204" charset="0"/>
                 <a:ea typeface="Muli"/>
@@ -22831,9 +23618,9 @@
               <a:t>High</a:t>
             </a:r>
             <a:r>
-              <a:rPr lang="en-US" sz="1800" dirty="0" err="1">
+              <a:rPr lang="en-US" b="1" dirty="0" err="1">
                 <a:solidFill>
-                  <a:schemeClr val="tx1"/>
+                  <a:schemeClr val="bg1"/>
                 </a:solidFill>
                 <a:latin typeface="+mn-lt"/>
                 <a:ea typeface="Muli"/>
@@ -22843,9 +23630,9 @@
               <a:t>_</a:t>
             </a:r>
             <a:r>
-              <a:rPr lang="en-US" sz="1800" dirty="0" err="1">
+              <a:rPr lang="en-US" b="1" dirty="0" err="1">
                 <a:solidFill>
-                  <a:schemeClr val="tx1"/>
+                  <a:schemeClr val="bg1"/>
                 </a:solidFill>
                 <a:latin typeface="Barlow Semi Condensed" panose="020B0604020202020204" charset="0"/>
                 <a:ea typeface="Muli"/>
@@ -22855,21 +23642,33 @@
               <a:t>Traffic</a:t>
             </a:r>
             <a:r>
-              <a:rPr lang="en-US" sz="1800" dirty="0">
+              <a:rPr lang="en-US" b="1" dirty="0">
                 <a:solidFill>
-                  <a:schemeClr val="tx1"/>
+                  <a:schemeClr val="bg1"/>
                 </a:solidFill>
                 <a:latin typeface="Barlow Semi Condensed" panose="020B0604020202020204" charset="0"/>
                 <a:ea typeface="Muli"/>
                 <a:cs typeface="Muli"/>
                 <a:sym typeface="Muli"/>
               </a:rPr>
-              <a:t> and </a:t>
+              <a:t> </a:t>
             </a:r>
             <a:r>
-              <a:rPr lang="en-US" sz="1800" dirty="0" err="1">
+              <a:rPr lang="en-US" dirty="0">
                 <a:solidFill>
-                  <a:schemeClr val="tx1"/>
+                  <a:schemeClr val="bg1"/>
+                </a:solidFill>
+                <a:latin typeface="Barlow Semi Condensed" panose="020B0604020202020204" charset="0"/>
+                <a:ea typeface="Muli"/>
+                <a:cs typeface="Muli"/>
+                <a:sym typeface="Muli"/>
+              </a:rPr>
+              <a:t>and </a:t>
+            </a:r>
+            <a:r>
+              <a:rPr lang="en-US" b="1" dirty="0" err="1">
+                <a:solidFill>
+                  <a:schemeClr val="bg1"/>
                 </a:solidFill>
                 <a:latin typeface="Barlow Semi Condensed" panose="020B0604020202020204" charset="0"/>
                 <a:ea typeface="Muli"/>
@@ -22879,9 +23678,9 @@
               <a:t>Low</a:t>
             </a:r>
             <a:r>
-              <a:rPr lang="en-US" sz="1800" dirty="0" err="1">
+              <a:rPr lang="en-US" b="1" dirty="0" err="1">
                 <a:solidFill>
-                  <a:schemeClr val="tx1"/>
+                  <a:schemeClr val="bg1"/>
                 </a:solidFill>
                 <a:latin typeface="+mn-lt"/>
                 <a:ea typeface="Muli"/>
@@ -22891,9 +23690,9 @@
               <a:t>_</a:t>
             </a:r>
             <a:r>
-              <a:rPr lang="en-US" sz="1800" dirty="0" err="1">
+              <a:rPr lang="en-US" b="1" dirty="0" err="1">
                 <a:solidFill>
-                  <a:schemeClr val="tx1"/>
+                  <a:schemeClr val="bg1"/>
                 </a:solidFill>
                 <a:latin typeface="Barlow Semi Condensed" panose="020B0604020202020204" charset="0"/>
                 <a:ea typeface="Muli"/>
@@ -22903,20 +23702,32 @@
               <a:t>Traffic</a:t>
             </a:r>
             <a:r>
-              <a:rPr lang="en-US" sz="1800" dirty="0">
+              <a:rPr lang="en-US" b="1" dirty="0">
                 <a:solidFill>
-                  <a:schemeClr val="tx1"/>
+                  <a:schemeClr val="bg1"/>
                 </a:solidFill>
                 <a:latin typeface="Barlow Semi Condensed" panose="020B0604020202020204" charset="0"/>
                 <a:ea typeface="Muli"/>
                 <a:cs typeface="Muli"/>
                 <a:sym typeface="Muli"/>
               </a:rPr>
-              <a:t> depending on this the new timings of the traffic light(s) are decided</a:t>
+              <a:t> </a:t>
             </a:r>
-            <a:endParaRPr sz="1050" dirty="0">
+            <a:r>
+              <a:rPr lang="en-US" dirty="0">
+                <a:solidFill>
+                  <a:schemeClr val="bg1"/>
+                </a:solidFill>
+                <a:latin typeface="Barlow Semi Condensed" panose="020B0604020202020204" charset="0"/>
+                <a:ea typeface="Muli"/>
+                <a:cs typeface="Muli"/>
+                <a:sym typeface="Muli"/>
+              </a:rPr>
+              <a:t>depending on this the new timings of the traffic light(s) are decided</a:t>
+            </a:r>
+            <a:endParaRPr dirty="0">
               <a:solidFill>
-                <a:schemeClr val="tx1"/>
+                <a:schemeClr val="bg1"/>
               </a:solidFill>
               <a:latin typeface="Barlow Semi Condensed" panose="020B0604020202020204" charset="0"/>
             </a:endParaRPr>
@@ -22934,9 +23745,9 @@
               </a:spcAft>
               <a:buNone/>
             </a:pPr>
-            <a:endParaRPr sz="1800" dirty="0">
+            <a:endParaRPr dirty="0">
               <a:solidFill>
-                <a:schemeClr val="tx1"/>
+                <a:schemeClr val="bg1"/>
               </a:solidFill>
               <a:latin typeface="Barlow Semi Condensed" panose="020B0604020202020204" charset="0"/>
               <a:ea typeface="Muli"/>
@@ -22958,9 +23769,9 @@
               <a:buNone/>
             </a:pPr>
             <a:r>
-              <a:rPr lang="en-US" sz="1800" dirty="0">
+              <a:rPr lang="en-US" dirty="0">
                 <a:solidFill>
-                  <a:schemeClr val="tx1"/>
+                  <a:schemeClr val="bg1"/>
                 </a:solidFill>
                 <a:latin typeface="Barlow Semi Condensed" panose="020B0604020202020204" charset="0"/>
                 <a:ea typeface="Muli"/>
@@ -22969,9 +23780,9 @@
               </a:rPr>
               <a:t>We have used a SLAM model type for our AI</a:t>
             </a:r>
-            <a:endParaRPr sz="1800" dirty="0">
+            <a:endParaRPr dirty="0">
               <a:solidFill>
-                <a:schemeClr val="tx1"/>
+                <a:schemeClr val="bg1"/>
               </a:solidFill>
               <a:latin typeface="Barlow Semi Condensed" panose="020B0604020202020204" charset="0"/>
               <a:ea typeface="Muli"/>
@@ -23095,7 +23906,7 @@
             <a:r>
               <a:rPr lang="en-US" b="1" u="sng" dirty="0">
                 <a:solidFill>
-                  <a:schemeClr val="dk1"/>
+                  <a:schemeClr val="bg1"/>
                 </a:solidFill>
                 <a:latin typeface="Barlow Semi Condensed" panose="020B0604020202020204" charset="0"/>
                 <a:ea typeface="Muli"/>
@@ -23105,6 +23916,9 @@
               <a:t>Hardware Used:</a:t>
             </a:r>
             <a:endParaRPr lang="en-US" b="1" dirty="0">
+              <a:solidFill>
+                <a:schemeClr val="bg1"/>
+              </a:solidFill>
               <a:latin typeface="Barlow Semi Condensed" panose="020B0604020202020204" charset="0"/>
               <a:ea typeface="Muli"/>
             </a:endParaRPr>
@@ -23126,7 +23940,7 @@
             <a:r>
               <a:rPr lang="en-US" sz="1200" i="0" u="none" strike="noStrike" cap="none" dirty="0">
                 <a:solidFill>
-                  <a:schemeClr val="dk1"/>
+                  <a:schemeClr val="bg1"/>
                 </a:solidFill>
                 <a:latin typeface="Barlow Semi Condensed" panose="020B0604020202020204" charset="0"/>
                 <a:ea typeface="Muli"/>
@@ -23136,6 +23950,9 @@
               <a:t>Raspberry Pi 3/0</a:t>
             </a:r>
             <a:endParaRPr lang="en-US" sz="1200" dirty="0">
+              <a:solidFill>
+                <a:schemeClr val="bg1"/>
+              </a:solidFill>
               <a:latin typeface="Barlow Semi Condensed" panose="020B0604020202020204" charset="0"/>
               <a:ea typeface="Muli"/>
             </a:endParaRPr>
@@ -23157,7 +23974,7 @@
             <a:r>
               <a:rPr lang="en-US" sz="1200" i="0" u="none" strike="noStrike" cap="none" dirty="0">
                 <a:solidFill>
-                  <a:schemeClr val="dk1"/>
+                  <a:schemeClr val="bg1"/>
                 </a:solidFill>
                 <a:latin typeface="Barlow Semi Condensed" panose="020B0604020202020204" charset="0"/>
                 <a:ea typeface="Muli"/>
@@ -23182,7 +23999,7 @@
             <a:r>
               <a:rPr lang="en-US" b="1" u="sng" dirty="0">
                 <a:solidFill>
-                  <a:schemeClr val="dk1"/>
+                  <a:schemeClr val="bg1"/>
                 </a:solidFill>
                 <a:latin typeface="Barlow Semi Condensed" panose="020B0604020202020204" charset="0"/>
                 <a:sym typeface="Muli"/>
@@ -23191,7 +24008,7 @@
             </a:r>
             <a:endParaRPr lang="en-US" b="1" u="sng" dirty="0">
               <a:solidFill>
-                <a:schemeClr val="dk1"/>
+                <a:schemeClr val="bg1"/>
               </a:solidFill>
               <a:latin typeface="Barlow Semi Condensed" panose="020B0604020202020204" charset="0"/>
             </a:endParaRPr>
@@ -23207,7 +24024,7 @@
             <a:r>
               <a:rPr lang="en-US" sz="1200" dirty="0">
                 <a:solidFill>
-                  <a:schemeClr val="dk1"/>
+                  <a:schemeClr val="bg1"/>
                 </a:solidFill>
                 <a:latin typeface="Barlow Semi Condensed" panose="020B0604020202020204" charset="0"/>
                 <a:sym typeface="Muli"/>
@@ -23216,7 +24033,7 @@
             </a:r>
             <a:endParaRPr lang="en-US" sz="1200" dirty="0">
               <a:solidFill>
-                <a:schemeClr val="dk1"/>
+                <a:schemeClr val="bg1"/>
               </a:solidFill>
               <a:latin typeface="Barlow Semi Condensed" panose="020B0604020202020204" charset="0"/>
             </a:endParaRPr>
@@ -23232,7 +24049,7 @@
             <a:r>
               <a:rPr lang="en-US" sz="1200" dirty="0">
                 <a:solidFill>
-                  <a:schemeClr val="dk1"/>
+                  <a:schemeClr val="bg1"/>
                 </a:solidFill>
                 <a:latin typeface="Barlow Semi Condensed" panose="020B0604020202020204" charset="0"/>
                 <a:sym typeface="Muli"/>
@@ -23242,7 +24059,7 @@
             <a:r>
               <a:rPr lang="en-US" sz="1200" dirty="0" err="1">
                 <a:solidFill>
-                  <a:schemeClr val="dk1"/>
+                  <a:schemeClr val="bg1"/>
                 </a:solidFill>
                 <a:latin typeface="Barlow Semi Condensed" panose="020B0604020202020204" charset="0"/>
                 <a:sym typeface="Muli"/>
@@ -23252,7 +24069,7 @@
             <a:r>
               <a:rPr lang="en-US" sz="1200" dirty="0">
                 <a:solidFill>
-                  <a:schemeClr val="dk1"/>
+                  <a:schemeClr val="bg1"/>
                 </a:solidFill>
                 <a:latin typeface="Barlow Semi Condensed" panose="020B0604020202020204" charset="0"/>
                 <a:sym typeface="Muli"/>
@@ -23275,7 +24092,7 @@
             <a:r>
               <a:rPr lang="en-US" b="1" u="sng" dirty="0">
                 <a:solidFill>
-                  <a:schemeClr val="dk1"/>
+                  <a:schemeClr val="bg1"/>
                 </a:solidFill>
                 <a:latin typeface="Barlow Semi Condensed" panose="020B0604020202020204" charset="0"/>
                 <a:sym typeface="Muli"/>
@@ -23284,7 +24101,7 @@
             </a:r>
             <a:endParaRPr lang="en-US" b="1" u="sng" dirty="0">
               <a:solidFill>
-                <a:schemeClr val="dk1"/>
+                <a:schemeClr val="bg1"/>
               </a:solidFill>
               <a:latin typeface="Barlow Semi Condensed" panose="020B0604020202020204" charset="0"/>
             </a:endParaRPr>
@@ -23306,7 +24123,7 @@
             <a:r>
               <a:rPr lang="en-US" sz="1200" dirty="0" err="1">
                 <a:solidFill>
-                  <a:schemeClr val="dk1"/>
+                  <a:schemeClr val="bg1"/>
                 </a:solidFill>
                 <a:latin typeface="Barlow Semi Condensed" panose="020B0604020202020204" charset="0"/>
                 <a:sym typeface="Muli"/>
@@ -23315,7 +24132,7 @@
             </a:r>
             <a:endParaRPr lang="en-US" sz="1200" dirty="0">
               <a:solidFill>
-                <a:schemeClr val="dk1"/>
+                <a:schemeClr val="bg1"/>
               </a:solidFill>
               <a:latin typeface="Barlow Semi Condensed" panose="020B0604020202020204" charset="0"/>
               <a:sym typeface="Muli"/>
@@ -23338,7 +24155,7 @@
             <a:r>
               <a:rPr lang="en-US" sz="1200" dirty="0">
                 <a:solidFill>
-                  <a:schemeClr val="dk1"/>
+                  <a:schemeClr val="bg1"/>
                 </a:solidFill>
                 <a:latin typeface="Barlow Semi Condensed" panose="020B0604020202020204" charset="0"/>
                 <a:sym typeface="Muli"/>
@@ -23347,7 +24164,7 @@
             </a:r>
             <a:endParaRPr lang="en-US" sz="1200" dirty="0">
               <a:solidFill>
-                <a:schemeClr val="dk1"/>
+                <a:schemeClr val="bg1"/>
               </a:solidFill>
               <a:latin typeface="Barlow Semi Condensed" panose="020B0604020202020204" charset="0"/>
             </a:endParaRPr>
@@ -23369,7 +24186,7 @@
             <a:r>
               <a:rPr lang="en-US" sz="1200" dirty="0">
                 <a:solidFill>
-                  <a:schemeClr val="dk1"/>
+                  <a:schemeClr val="bg1"/>
                 </a:solidFill>
                 <a:latin typeface="Barlow Semi Condensed" panose="020B0604020202020204" charset="0"/>
                 <a:sym typeface="Muli"/>
@@ -23378,7 +24195,7 @@
             </a:r>
             <a:endParaRPr lang="en-US" sz="1200" dirty="0">
               <a:solidFill>
-                <a:schemeClr val="dk1"/>
+                <a:schemeClr val="bg1"/>
               </a:solidFill>
               <a:latin typeface="Barlow Semi Condensed" panose="020B0604020202020204" charset="0"/>
             </a:endParaRPr>
@@ -23400,7 +24217,7 @@
             <a:r>
               <a:rPr lang="en-US" sz="1200" dirty="0">
                 <a:solidFill>
-                  <a:schemeClr val="dk1"/>
+                  <a:schemeClr val="bg1"/>
                 </a:solidFill>
                 <a:latin typeface="Barlow Semi Condensed" panose="020B0604020202020204" charset="0"/>
                 <a:sym typeface="Muli"/>
@@ -23409,7 +24226,7 @@
             </a:r>
             <a:endParaRPr lang="en-US" sz="1200" dirty="0">
               <a:solidFill>
-                <a:schemeClr val="dk1"/>
+                <a:schemeClr val="bg1"/>
               </a:solidFill>
               <a:latin typeface="Barlow Semi Condensed" panose="020B0604020202020204" charset="0"/>
             </a:endParaRPr>
@@ -23431,7 +24248,7 @@
             <a:r>
               <a:rPr lang="en-US" sz="1200" dirty="0">
                 <a:solidFill>
-                  <a:schemeClr val="dk1"/>
+                  <a:schemeClr val="bg1"/>
                 </a:solidFill>
                 <a:latin typeface="Barlow Semi Condensed" panose="020B0604020202020204" charset="0"/>
                 <a:sym typeface="Muli"/>
@@ -23440,7 +24257,7 @@
             </a:r>
             <a:endParaRPr lang="en-US" sz="1200" dirty="0">
               <a:solidFill>
-                <a:schemeClr val="dk1"/>
+                <a:schemeClr val="bg1"/>
               </a:solidFill>
               <a:latin typeface="Barlow Semi Condensed" panose="020B0604020202020204" charset="0"/>
             </a:endParaRPr>
@@ -23474,7 +24291,174 @@
       </p:grpSpPr>
       <p:sp>
         <p:nvSpPr>
-          <p:cNvPr id="2" name="Title 1"/>
+          <p:cNvPr id="2" name="Text Placeholder 1">
+            <a:extLst>
+              <a:ext uri="{FF2B5EF4-FFF2-40B4-BE49-F238E27FC236}">
+                <a16:creationId xmlns:a16="http://schemas.microsoft.com/office/drawing/2014/main" id="{25317C7E-0E5E-437D-AAE1-0D3954D62BE3}"/>
+              </a:ext>
+            </a:extLst>
+          </p:cNvPr>
+          <p:cNvSpPr>
+            <a:spLocks noGrp="1"/>
+          </p:cNvSpPr>
+          <p:nvPr>
+            <p:ph type="body" idx="1"/>
+          </p:nvPr>
+        </p:nvSpPr>
+        <p:spPr>
+          <a:xfrm>
+            <a:off x="1547664" y="1707654"/>
+            <a:ext cx="5127036" cy="3384376"/>
+          </a:xfrm>
+        </p:spPr>
+        <p:txBody>
+          <a:bodyPr/>
+          <a:lstStyle/>
+          <a:p>
+            <a:pPr marL="152400" indent="0">
+              <a:buNone/>
+            </a:pPr>
+            <a:r>
+              <a:rPr lang="en-US" sz="1400" b="1" dirty="0">
+                <a:solidFill>
+                  <a:schemeClr val="bg1"/>
+                </a:solidFill>
+                <a:latin typeface="Barlow Semi Condensed" panose="020B0604020202020204" charset="0"/>
+              </a:rPr>
+              <a:t>IN DELHI</a:t>
+            </a:r>
+          </a:p>
+          <a:p>
+            <a:pPr marL="152400" indent="0">
+              <a:buNone/>
+            </a:pPr>
+            <a:r>
+              <a:rPr lang="en-US" dirty="0">
+                <a:solidFill>
+                  <a:schemeClr val="bg1"/>
+                </a:solidFill>
+                <a:latin typeface="Barlow Semi Condensed" panose="020B0604020202020204" charset="0"/>
+              </a:rPr>
+              <a:t>There are approximately 1000 traffic lights in Delhi.</a:t>
+            </a:r>
+          </a:p>
+          <a:p>
+            <a:pPr marL="152400" indent="0">
+              <a:buNone/>
+            </a:pPr>
+            <a:r>
+              <a:rPr lang="en-US" dirty="0">
+                <a:solidFill>
+                  <a:schemeClr val="bg1"/>
+                </a:solidFill>
+                <a:latin typeface="Barlow Semi Condensed" panose="020B0604020202020204" charset="0"/>
+              </a:rPr>
+              <a:t>If we plan to install our model on each light for the price of 3,000 per model,</a:t>
+            </a:r>
+          </a:p>
+          <a:p>
+            <a:pPr marL="152400" indent="0">
+              <a:buNone/>
+            </a:pPr>
+            <a:r>
+              <a:rPr lang="en-US" dirty="0">
+                <a:solidFill>
+                  <a:schemeClr val="bg1"/>
+                </a:solidFill>
+                <a:latin typeface="Barlow Semi Condensed" panose="020B0604020202020204" charset="0"/>
+              </a:rPr>
+              <a:t>the price for installation throughout Delhi would be Rs. 30,00,000. The profit for the project would be Rs.10,00,000. </a:t>
+            </a:r>
+          </a:p>
+          <a:p>
+            <a:pPr marL="152400" indent="0">
+              <a:buNone/>
+            </a:pPr>
+            <a:endParaRPr lang="en-US" dirty="0">
+              <a:solidFill>
+                <a:schemeClr val="bg1"/>
+              </a:solidFill>
+              <a:latin typeface="Barlow Semi Condensed" panose="020B0604020202020204" charset="0"/>
+            </a:endParaRPr>
+          </a:p>
+          <a:p>
+            <a:pPr marL="152400" indent="0">
+              <a:buNone/>
+            </a:pPr>
+            <a:r>
+              <a:rPr lang="en-US" sz="1400" b="1" dirty="0">
+                <a:solidFill>
+                  <a:schemeClr val="bg1"/>
+                </a:solidFill>
+                <a:latin typeface="Barlow Semi Condensed" panose="020B0604020202020204" charset="0"/>
+              </a:rPr>
+              <a:t>IN BANGALORE</a:t>
+            </a:r>
+          </a:p>
+          <a:p>
+            <a:pPr marL="152400" indent="0">
+              <a:buNone/>
+            </a:pPr>
+            <a:r>
+              <a:rPr lang="en-US" dirty="0">
+                <a:solidFill>
+                  <a:schemeClr val="bg1"/>
+                </a:solidFill>
+                <a:latin typeface="Barlow Semi Condensed" panose="020B0604020202020204" charset="0"/>
+              </a:rPr>
+              <a:t>There are approximately 750 traffic lights in Bangalore.</a:t>
+            </a:r>
+          </a:p>
+          <a:p>
+            <a:pPr marL="152400" indent="0">
+              <a:buNone/>
+            </a:pPr>
+            <a:r>
+              <a:rPr lang="en-US" dirty="0">
+                <a:solidFill>
+                  <a:schemeClr val="bg1"/>
+                </a:solidFill>
+                <a:latin typeface="Barlow Semi Condensed" panose="020B0604020202020204" charset="0"/>
+              </a:rPr>
+              <a:t>If we plan to install our model on each light for the price of 3,000 per model,</a:t>
+            </a:r>
+          </a:p>
+          <a:p>
+            <a:pPr marL="152400" indent="0">
+              <a:buNone/>
+            </a:pPr>
+            <a:r>
+              <a:rPr lang="en-US" dirty="0">
+                <a:solidFill>
+                  <a:schemeClr val="bg1"/>
+                </a:solidFill>
+                <a:latin typeface="Barlow Semi Condensed" panose="020B0604020202020204" charset="0"/>
+              </a:rPr>
+              <a:t>the profit for the project would be Rs.7,50,000. </a:t>
+            </a:r>
+          </a:p>
+          <a:p>
+            <a:pPr marL="152400" indent="0">
+              <a:buNone/>
+            </a:pPr>
+            <a:endParaRPr lang="en-US" b="1" dirty="0">
+              <a:solidFill>
+                <a:schemeClr val="bg1"/>
+              </a:solidFill>
+              <a:latin typeface="Barlow Semi Condensed" panose="020B0604020202020204" charset="0"/>
+            </a:endParaRPr>
+          </a:p>
+        </p:txBody>
+      </p:sp>
+      <p:sp>
+        <p:nvSpPr>
+          <p:cNvPr id="3" name="Title 2">
+            <a:extLst>
+              <a:ext uri="{FF2B5EF4-FFF2-40B4-BE49-F238E27FC236}">
+                <a16:creationId xmlns:a16="http://schemas.microsoft.com/office/drawing/2014/main" id="{1B1E0EB6-233D-49D9-8D14-416603AEB236}"/>
+              </a:ext>
+            </a:extLst>
+          </p:cNvPr>
           <p:cNvSpPr>
             <a:spLocks noGrp="1"/>
           </p:cNvSpPr>
@@ -23489,581 +24473,370 @@
           <a:p>
             <a:r>
               <a:rPr lang="en-US" dirty="0"/>
-              <a:t>CONCLUSION</a:t>
+              <a:t>BUSINESS MODEL</a:t>
             </a:r>
           </a:p>
         </p:txBody>
       </p:sp>
+    </p:spTree>
+    <p:extLst>
+      <p:ext uri="{BB962C8B-B14F-4D97-AF65-F5344CB8AC3E}">
+        <p14:creationId xmlns:p14="http://schemas.microsoft.com/office/powerpoint/2010/main" val="1887612575"/>
+      </p:ext>
+    </p:extLst>
+  </p:cSld>
+  <p:clrMapOvr>
+    <a:masterClrMapping/>
+  </p:clrMapOvr>
+</p:sld>
+</file>
+
+<file path=ppt/slides/slide9.xml><?xml version="1.0" encoding="utf-8"?>
+<p:sld xmlns:a="http://schemas.openxmlformats.org/drawingml/2006/main" xmlns:r="http://schemas.openxmlformats.org/officeDocument/2006/relationships" xmlns:p="http://schemas.openxmlformats.org/presentationml/2006/main">
+  <p:cSld>
+    <p:spTree>
+      <p:nvGrpSpPr>
+        <p:cNvPr id="1" name=""/>
+        <p:cNvGrpSpPr/>
+        <p:nvPr/>
+      </p:nvGrpSpPr>
+      <p:grpSpPr>
+        <a:xfrm>
+          <a:off x="0" y="0"/>
+          <a:ext cx="0" cy="0"/>
+          <a:chOff x="0" y="0"/>
+          <a:chExt cx="0" cy="0"/>
+        </a:xfrm>
+      </p:grpSpPr>
       <p:sp>
         <p:nvSpPr>
-          <p:cNvPr id="3" name="Google Shape;180;p9"/>
-          <p:cNvSpPr txBox="1"/>
-          <p:nvPr/>
+          <p:cNvPr id="2" name="Text Placeholder 1">
+            <a:extLst>
+              <a:ext uri="{FF2B5EF4-FFF2-40B4-BE49-F238E27FC236}">
+                <a16:creationId xmlns:a16="http://schemas.microsoft.com/office/drawing/2014/main" id="{25317C7E-0E5E-437D-AAE1-0D3954D62BE3}"/>
+              </a:ext>
+            </a:extLst>
+          </p:cNvPr>
+          <p:cNvSpPr>
+            <a:spLocks noGrp="1"/>
+          </p:cNvSpPr>
+          <p:nvPr>
+            <p:ph type="body" idx="1"/>
+          </p:nvPr>
         </p:nvSpPr>
         <p:spPr>
           <a:xfrm>
-            <a:off x="1691680" y="1419622"/>
-            <a:ext cx="6025872" cy="3102388"/>
+            <a:off x="1547664" y="1635646"/>
+            <a:ext cx="5472608" cy="3384376"/>
           </a:xfrm>
-          <a:prstGeom prst="rect">
-            <a:avLst/>
-          </a:prstGeom>
-          <a:noFill/>
-          <a:ln>
-            <a:noFill/>
-          </a:ln>
         </p:spPr>
         <p:txBody>
-          <a:bodyPr spcFirstLastPara="1" wrap="square" lIns="0" tIns="0" rIns="0" bIns="0" anchor="t" anchorCtr="0">
-            <a:spAutoFit/>
-          </a:bodyPr>
+          <a:bodyPr/>
           <a:lstStyle/>
           <a:p>
-            <a:pPr marL="0" marR="0" lvl="0" indent="0" algn="l" rtl="0">
-              <a:lnSpc>
-                <a:spcPct val="140014"/>
-              </a:lnSpc>
-              <a:spcBef>
-                <a:spcPts val="0"/>
-              </a:spcBef>
-              <a:spcAft>
-                <a:spcPts val="0"/>
-              </a:spcAft>
+            <a:pPr marL="152400" indent="0">
               <a:buNone/>
             </a:pPr>
             <a:r>
-              <a:rPr lang="en-US" sz="1200" dirty="0">
+              <a:rPr lang="en-US" dirty="0">
                 <a:solidFill>
-                  <a:schemeClr val="tx1"/>
+                  <a:schemeClr val="bg1"/>
                 </a:solidFill>
                 <a:latin typeface="Barlow Semi Condensed" panose="020B0604020202020204" charset="0"/>
-                <a:ea typeface="Muli"/>
-                <a:cs typeface="Muli"/>
-                <a:sym typeface="Muli"/>
               </a:rPr>
-              <a:t>Our model is infused with a </a:t>
+              <a:t>The city of Bangalore requires </a:t>
             </a:r>
             <a:r>
-              <a:rPr lang="en-US" sz="1200" b="1" dirty="0">
+              <a:rPr lang="en-US" b="1" dirty="0">
                 <a:solidFill>
-                  <a:schemeClr val="tx1"/>
+                  <a:schemeClr val="bg1"/>
                 </a:solidFill>
                 <a:latin typeface="Barlow Semi Condensed" panose="020B0604020202020204" charset="0"/>
-                <a:ea typeface="Muli"/>
-                <a:cs typeface="Muli"/>
-                <a:sym typeface="Muli"/>
               </a:rPr>
-              <a:t>special mode</a:t>
+              <a:t>5000 </a:t>
             </a:r>
             <a:r>
-              <a:rPr lang="en-US" sz="1200" dirty="0">
+              <a:rPr lang="en-US" dirty="0">
                 <a:solidFill>
-                  <a:schemeClr val="tx1"/>
+                  <a:schemeClr val="bg1"/>
                 </a:solidFill>
                 <a:latin typeface="Barlow Semi Condensed" panose="020B0604020202020204" charset="0"/>
-                <a:ea typeface="Muli"/>
-                <a:cs typeface="Muli"/>
-                <a:sym typeface="Muli"/>
               </a:rPr>
-              <a:t> that creates a '</a:t>
+              <a:t>traffic lights. If we install our model in each of these lights as well, we could make another profit of </a:t>
             </a:r>
             <a:r>
-              <a:rPr lang="en-US" sz="1200" b="1" dirty="0">
+              <a:rPr lang="en-US" b="1" dirty="0">
                 <a:solidFill>
-                  <a:schemeClr val="tx1"/>
+                  <a:schemeClr val="bg1"/>
                 </a:solidFill>
                 <a:latin typeface="Barlow Semi Condensed" panose="020B0604020202020204" charset="0"/>
-                <a:ea typeface="Muli"/>
-                <a:cs typeface="Muli"/>
-                <a:sym typeface="Muli"/>
               </a:rPr>
-              <a:t>green-corridor</a:t>
+              <a:t>Rs. 50,00,000</a:t>
             </a:r>
             <a:r>
-              <a:rPr lang="en-US" sz="1200" dirty="0">
+              <a:rPr lang="en-US" dirty="0">
                 <a:solidFill>
-                  <a:schemeClr val="tx1"/>
+                  <a:schemeClr val="bg1"/>
                 </a:solidFill>
                 <a:latin typeface="Barlow Semi Condensed" panose="020B0604020202020204" charset="0"/>
-                <a:ea typeface="Muli"/>
-                <a:cs typeface="Muli"/>
-                <a:sym typeface="Muli"/>
               </a:rPr>
-              <a:t>' for permitted </a:t>
+              <a:t> alone from Bangalore.</a:t>
             </a:r>
           </a:p>
           <a:p>
-            <a:pPr marL="0" marR="0" lvl="0" indent="0" algn="l" rtl="0">
-              <a:lnSpc>
-                <a:spcPct val="140014"/>
-              </a:lnSpc>
-              <a:spcBef>
-                <a:spcPts val="0"/>
-              </a:spcBef>
-              <a:spcAft>
-                <a:spcPts val="0"/>
-              </a:spcAft>
+            <a:pPr marL="152400" indent="0">
               <a:buNone/>
             </a:pPr>
             <a:r>
-              <a:rPr lang="en-US" sz="1200" dirty="0">
+              <a:rPr lang="en-US" dirty="0">
                 <a:solidFill>
-                  <a:schemeClr val="tx1"/>
+                  <a:schemeClr val="bg1"/>
                 </a:solidFill>
                 <a:latin typeface="Barlow Semi Condensed" panose="020B0604020202020204" charset="0"/>
-                <a:ea typeface="Muli"/>
-                <a:cs typeface="Muli"/>
-                <a:sym typeface="Muli"/>
               </a:rPr>
-              <a:t>vehicles  which can be enabled via app.</a:t>
+              <a:t>The need for traffic lights is </a:t>
             </a:r>
-            <a:endParaRPr sz="1200" dirty="0">
+            <a:r>
+              <a:rPr lang="en-US" b="1" dirty="0">
+                <a:solidFill>
+                  <a:schemeClr val="bg1"/>
+                </a:solidFill>
+                <a:latin typeface="Barlow Semi Condensed" panose="020B0604020202020204" charset="0"/>
+              </a:rPr>
+              <a:t>always increasing</a:t>
+            </a:r>
+            <a:r>
+              <a:rPr lang="en-US" dirty="0">
+                <a:solidFill>
+                  <a:schemeClr val="bg1"/>
+                </a:solidFill>
+                <a:latin typeface="Barlow Semi Condensed" panose="020B0604020202020204" charset="0"/>
+              </a:rPr>
+              <a:t>, especially due to </a:t>
+            </a:r>
+            <a:r>
+              <a:rPr lang="en-US" b="1" dirty="0">
+                <a:solidFill>
+                  <a:schemeClr val="bg1"/>
+                </a:solidFill>
+                <a:latin typeface="Barlow Semi Condensed" panose="020B0604020202020204" charset="0"/>
+              </a:rPr>
+              <a:t>urbanization.</a:t>
+            </a:r>
+          </a:p>
+          <a:p>
+            <a:pPr marL="152400" indent="0">
+              <a:buNone/>
+            </a:pPr>
+            <a:endParaRPr lang="en-US" b="1" dirty="0">
               <a:solidFill>
-                <a:schemeClr val="tx1"/>
+                <a:schemeClr val="bg1"/>
               </a:solidFill>
               <a:latin typeface="Barlow Semi Condensed" panose="020B0604020202020204" charset="0"/>
             </a:endParaRPr>
           </a:p>
           <a:p>
-            <a:pPr marL="0" marR="0" lvl="0" indent="0" algn="l" rtl="0">
-              <a:lnSpc>
-                <a:spcPct val="140014"/>
-              </a:lnSpc>
-              <a:spcBef>
-                <a:spcPts val="0"/>
-              </a:spcBef>
-              <a:spcAft>
-                <a:spcPts val="0"/>
-              </a:spcAft>
+            <a:pPr marL="152400" indent="0">
               <a:buNone/>
             </a:pPr>
-            <a:endParaRPr sz="1200" dirty="0">
-              <a:solidFill>
-                <a:schemeClr val="tx1"/>
-              </a:solidFill>
-              <a:latin typeface="Barlow Semi Condensed" panose="020B0604020202020204" charset="0"/>
-              <a:ea typeface="Muli"/>
-              <a:cs typeface="Muli"/>
-              <a:sym typeface="Muli"/>
-            </a:endParaRPr>
+            <a:r>
+              <a:rPr lang="en-US" sz="1400" b="1" dirty="0">
+                <a:solidFill>
+                  <a:schemeClr val="bg1"/>
+                </a:solidFill>
+                <a:latin typeface="Barlow Semi Condensed" panose="020B0604020202020204" charset="0"/>
+              </a:rPr>
+              <a:t>EXPANSION TO THE U.S.</a:t>
+            </a:r>
           </a:p>
           <a:p>
-            <a:pPr marL="0" marR="0" lvl="0" indent="0" algn="l" rtl="0">
-              <a:lnSpc>
-                <a:spcPct val="139964"/>
-              </a:lnSpc>
-              <a:spcBef>
-                <a:spcPts val="0"/>
-              </a:spcBef>
-              <a:spcAft>
-                <a:spcPts val="0"/>
-              </a:spcAft>
+            <a:pPr marL="152400" indent="0">
               <a:buNone/>
             </a:pPr>
             <a:r>
-              <a:rPr lang="en-US" sz="1200" dirty="0">
+              <a:rPr lang="en-US" dirty="0">
                 <a:solidFill>
-                  <a:schemeClr val="tx1"/>
+                  <a:schemeClr val="bg1"/>
                 </a:solidFill>
                 <a:latin typeface="Barlow Semi Condensed" panose="020B0604020202020204" charset="0"/>
-                <a:ea typeface="Muli"/>
-                <a:cs typeface="Muli"/>
-                <a:sym typeface="Muli"/>
               </a:rPr>
-              <a:t>We intend to run a </a:t>
+              <a:t>The state of New York alone has 12,500 traffic signals. Implementing our model in the New York, alone, could provide us with a further benefit of </a:t>
             </a:r>
             <a:r>
-              <a:rPr lang="en-US" sz="1200" b="1" dirty="0">
+              <a:rPr lang="en-US" b="1" dirty="0">
                 <a:solidFill>
-                  <a:schemeClr val="tx1"/>
+                  <a:schemeClr val="bg1"/>
                 </a:solidFill>
                 <a:latin typeface="Barlow Semi Condensed" panose="020B0604020202020204" charset="0"/>
-                <a:ea typeface="Muli"/>
-                <a:cs typeface="Muli"/>
-                <a:sym typeface="Muli"/>
               </a:rPr>
-              <a:t>prediction model</a:t>
+              <a:t>Rs. 1.25 crore. </a:t>
             </a:r>
-            <a:r>
-              <a:rPr lang="en-US" sz="1200" dirty="0">
-                <a:solidFill>
-                  <a:schemeClr val="tx1"/>
-                </a:solidFill>
-                <a:latin typeface="Barlow Semi Condensed" panose="020B0604020202020204" charset="0"/>
-                <a:ea typeface="Muli"/>
-                <a:cs typeface="Muli"/>
-                <a:sym typeface="Muli"/>
-              </a:rPr>
-              <a:t> so that we can predict the</a:t>
-            </a:r>
-            <a:endParaRPr sz="1200" dirty="0">
+          </a:p>
+          <a:p>
+            <a:pPr marL="152400" indent="0">
+              <a:buNone/>
+            </a:pPr>
+            <a:endParaRPr lang="en-US" b="1" dirty="0">
               <a:solidFill>
-                <a:schemeClr val="tx1"/>
+                <a:schemeClr val="bg1"/>
               </a:solidFill>
               <a:latin typeface="Barlow Semi Condensed" panose="020B0604020202020204" charset="0"/>
             </a:endParaRPr>
           </a:p>
           <a:p>
-            <a:pPr marL="0" marR="0" lvl="0" indent="0" algn="l" rtl="0">
-              <a:lnSpc>
-                <a:spcPct val="139964"/>
-              </a:lnSpc>
-              <a:spcBef>
-                <a:spcPts val="0"/>
-              </a:spcBef>
-              <a:spcAft>
-                <a:spcPts val="0"/>
-              </a:spcAft>
+            <a:pPr marL="152400" indent="0">
               <a:buNone/>
             </a:pPr>
             <a:r>
-              <a:rPr lang="en-US" sz="1200" dirty="0">
+              <a:rPr lang="en-US" sz="1400" b="1" dirty="0">
                 <a:solidFill>
-                  <a:schemeClr val="tx1"/>
+                  <a:schemeClr val="bg1"/>
                 </a:solidFill>
                 <a:latin typeface="Barlow Semi Condensed" panose="020B0604020202020204" charset="0"/>
-                <a:ea typeface="Muli"/>
-                <a:cs typeface="Muli"/>
-                <a:sym typeface="Muli"/>
               </a:rPr>
-              <a:t> future traffic conditions and make our system more efficient.</a:t>
+              <a:t>TIE IN WITH GOVERNMENT</a:t>
             </a:r>
-            <a:endParaRPr sz="1200" dirty="0">
-              <a:solidFill>
-                <a:schemeClr val="tx1"/>
-              </a:solidFill>
-              <a:latin typeface="Barlow Semi Condensed" panose="020B0604020202020204" charset="0"/>
-            </a:endParaRPr>
           </a:p>
           <a:p>
-            <a:pPr marL="0" marR="0" lvl="0" indent="0" algn="l" rtl="0">
-              <a:lnSpc>
-                <a:spcPct val="139964"/>
-              </a:lnSpc>
-              <a:spcBef>
-                <a:spcPts val="0"/>
-              </a:spcBef>
-              <a:spcAft>
-                <a:spcPts val="0"/>
-              </a:spcAft>
-              <a:buNone/>
-            </a:pPr>
-            <a:endParaRPr sz="1200" dirty="0">
-              <a:solidFill>
-                <a:schemeClr val="tx1"/>
-              </a:solidFill>
-              <a:latin typeface="Barlow Semi Condensed" panose="020B0604020202020204" charset="0"/>
-              <a:ea typeface="Muli"/>
-              <a:cs typeface="Muli"/>
-              <a:sym typeface="Muli"/>
-            </a:endParaRPr>
-          </a:p>
-          <a:p>
-            <a:pPr marL="0" marR="0" lvl="0" indent="0" algn="l" rtl="0">
-              <a:lnSpc>
-                <a:spcPct val="140014"/>
-              </a:lnSpc>
-              <a:spcBef>
-                <a:spcPts val="0"/>
-              </a:spcBef>
-              <a:spcAft>
-                <a:spcPts val="0"/>
-              </a:spcAft>
+            <a:pPr marL="152400" indent="0">
               <a:buNone/>
             </a:pPr>
             <a:r>
-              <a:rPr lang="en-US" sz="1200" dirty="0">
+              <a:rPr lang="en-US" dirty="0">
                 <a:solidFill>
-                  <a:schemeClr val="tx1"/>
+                  <a:schemeClr val="bg1"/>
                 </a:solidFill>
                 <a:latin typeface="Barlow Semi Condensed" panose="020B0604020202020204" charset="0"/>
-                <a:ea typeface="Muli"/>
-                <a:cs typeface="Muli"/>
-                <a:sym typeface="Muli"/>
               </a:rPr>
-              <a:t>Moreover, we also plan to </a:t>
+              <a:t>We would also be joining hands with the Government in order to get </a:t>
             </a:r>
             <a:r>
-              <a:rPr lang="en-US" sz="1200" b="1" dirty="0">
+              <a:rPr lang="en-US" b="1" dirty="0">
                 <a:solidFill>
-                  <a:schemeClr val="tx1"/>
+                  <a:schemeClr val="bg1"/>
                 </a:solidFill>
                 <a:latin typeface="Barlow Semi Condensed" panose="020B0604020202020204" charset="0"/>
-                <a:ea typeface="Muli"/>
-                <a:cs typeface="Muli"/>
-                <a:sym typeface="Muli"/>
               </a:rPr>
-              <a:t>deploy an app</a:t>
+              <a:t>direct access </a:t>
             </a:r>
             <a:r>
-              <a:rPr lang="en-US" sz="1200" dirty="0">
+              <a:rPr lang="en-US" dirty="0">
                 <a:solidFill>
-                  <a:schemeClr val="tx1"/>
+                  <a:schemeClr val="bg1"/>
                 </a:solidFill>
                 <a:latin typeface="Barlow Semi Condensed" panose="020B0604020202020204" charset="0"/>
-                <a:ea typeface="Muli"/>
-                <a:cs typeface="Muli"/>
-                <a:sym typeface="Muli"/>
               </a:rPr>
-              <a:t> that can give the user </a:t>
+              <a:t>to the entire network of traffic signals, and labor which would significantly </a:t>
             </a:r>
-            <a:endParaRPr sz="1200" dirty="0">
-              <a:solidFill>
-                <a:schemeClr val="tx1"/>
-              </a:solidFill>
-              <a:latin typeface="Barlow Semi Condensed" panose="020B0604020202020204" charset="0"/>
-            </a:endParaRPr>
-          </a:p>
-          <a:p>
-            <a:pPr marL="0" marR="0" lvl="0" indent="0" algn="l" rtl="0">
-              <a:lnSpc>
-                <a:spcPct val="140014"/>
-              </a:lnSpc>
-              <a:spcBef>
-                <a:spcPts val="0"/>
-              </a:spcBef>
-              <a:spcAft>
-                <a:spcPts val="0"/>
-              </a:spcAft>
-              <a:buNone/>
-            </a:pPr>
             <a:r>
-              <a:rPr lang="en-US" sz="1200" dirty="0">
+              <a:rPr lang="en-US" b="1" dirty="0">
                 <a:solidFill>
-                  <a:schemeClr val="tx1"/>
+                  <a:schemeClr val="bg1"/>
                 </a:solidFill>
                 <a:latin typeface="Barlow Semi Condensed" panose="020B0604020202020204" charset="0"/>
-                <a:ea typeface="Muli"/>
-                <a:cs typeface="Muli"/>
-                <a:sym typeface="Muli"/>
               </a:rPr>
-              <a:t>average traffic conditions in their surroundings and optimize their </a:t>
+              <a:t>reduce the Installation Cost</a:t>
             </a:r>
-            <a:endParaRPr sz="1200" dirty="0">
-              <a:solidFill>
-                <a:schemeClr val="tx1"/>
-              </a:solidFill>
-              <a:latin typeface="Barlow Semi Condensed" panose="020B0604020202020204" charset="0"/>
-            </a:endParaRPr>
-          </a:p>
-          <a:p>
-            <a:pPr marL="0" marR="0" lvl="0" indent="0" algn="l" rtl="0">
-              <a:lnSpc>
-                <a:spcPct val="140014"/>
-              </a:lnSpc>
-              <a:spcBef>
-                <a:spcPts val="0"/>
-              </a:spcBef>
-              <a:spcAft>
-                <a:spcPts val="0"/>
-              </a:spcAft>
-              <a:buNone/>
-            </a:pPr>
             <a:r>
-              <a:rPr lang="en-US" sz="1200" dirty="0">
+              <a:rPr lang="en-US" dirty="0">
                 <a:solidFill>
-                  <a:schemeClr val="tx1"/>
+                  <a:schemeClr val="bg1"/>
                 </a:solidFill>
                 <a:latin typeface="Barlow Semi Condensed" panose="020B0604020202020204" charset="0"/>
-                <a:ea typeface="Muli"/>
-                <a:cs typeface="Muli"/>
-                <a:sym typeface="Muli"/>
               </a:rPr>
-              <a:t>routes accordingly assisting them with </a:t>
+              <a:t>. Apart from this we also intend to use the </a:t>
             </a:r>
             <a:r>
-              <a:rPr lang="en-US" sz="1200" b="1" dirty="0">
+              <a:rPr lang="en-US" b="1" dirty="0">
                 <a:solidFill>
-                  <a:schemeClr val="tx1"/>
+                  <a:schemeClr val="bg1"/>
                 </a:solidFill>
                 <a:latin typeface="Barlow Semi Condensed" panose="020B0604020202020204" charset="0"/>
-                <a:ea typeface="Muli"/>
-                <a:cs typeface="Muli"/>
-                <a:sym typeface="Muli"/>
               </a:rPr>
-              <a:t>ETAs and Shorter routes</a:t>
+              <a:t>pre-fitted camera </a:t>
             </a:r>
             <a:r>
-              <a:rPr lang="en-US" sz="1200" dirty="0">
+              <a:rPr lang="en-US" dirty="0">
                 <a:solidFill>
-                  <a:schemeClr val="tx1"/>
+                  <a:schemeClr val="bg1"/>
                 </a:solidFill>
                 <a:latin typeface="Barlow Semi Condensed" panose="020B0604020202020204" charset="0"/>
-                <a:ea typeface="Muli"/>
-                <a:cs typeface="Muli"/>
-                <a:sym typeface="Muli"/>
               </a:rPr>
-              <a:t>.</a:t>
+              <a:t>at traffic lights in cities like Delhi and Bangalore which can also cut down the need for installation of a camera, thereby bringing down the cost effectively by </a:t>
             </a:r>
-            <a:endParaRPr sz="1200" dirty="0">
-              <a:solidFill>
-                <a:schemeClr val="tx1"/>
-              </a:solidFill>
-              <a:latin typeface="Barlow Semi Condensed" panose="020B0604020202020204" charset="0"/>
-            </a:endParaRPr>
-          </a:p>
-          <a:p>
-            <a:pPr marL="0" marR="0" lvl="0" indent="0" algn="l" rtl="0">
-              <a:lnSpc>
-                <a:spcPct val="140014"/>
-              </a:lnSpc>
-              <a:spcBef>
-                <a:spcPts val="0"/>
-              </a:spcBef>
-              <a:spcAft>
-                <a:spcPts val="0"/>
-              </a:spcAft>
-              <a:buNone/>
-            </a:pPr>
-            <a:endParaRPr sz="1200" dirty="0">
-              <a:solidFill>
-                <a:schemeClr val="tx1"/>
-              </a:solidFill>
-              <a:latin typeface="Barlow Semi Condensed" panose="020B0604020202020204" charset="0"/>
-              <a:ea typeface="Muli"/>
-              <a:cs typeface="Muli"/>
-              <a:sym typeface="Muli"/>
-            </a:endParaRPr>
-          </a:p>
-          <a:p>
-            <a:pPr marL="0" marR="0" lvl="0" indent="0" algn="l" rtl="0">
-              <a:lnSpc>
-                <a:spcPct val="140014"/>
-              </a:lnSpc>
-              <a:spcBef>
-                <a:spcPts val="0"/>
-              </a:spcBef>
-              <a:spcAft>
-                <a:spcPts val="0"/>
-              </a:spcAft>
-              <a:buNone/>
-            </a:pPr>
             <a:r>
-              <a:rPr lang="en-US" sz="1200" dirty="0">
+              <a:rPr lang="en-US" b="1" dirty="0">
                 <a:solidFill>
-                  <a:schemeClr val="tx1"/>
+                  <a:schemeClr val="bg1"/>
                 </a:solidFill>
                 <a:latin typeface="Barlow Semi Condensed" panose="020B0604020202020204" charset="0"/>
-                <a:ea typeface="Muli"/>
-                <a:cs typeface="Muli"/>
-                <a:sym typeface="Muli"/>
               </a:rPr>
-              <a:t>We can expand our model to cover </a:t>
+              <a:t>Rs. </a:t>
             </a:r>
             <a:r>
-              <a:rPr lang="en-US" sz="1200" b="1" dirty="0">
+              <a:rPr lang="en-US" b="1">
                 <a:solidFill>
-                  <a:schemeClr val="tx1"/>
+                  <a:schemeClr val="bg1"/>
                 </a:solidFill>
                 <a:latin typeface="Barlow Semi Condensed" panose="020B0604020202020204" charset="0"/>
-                <a:ea typeface="Muli"/>
-                <a:cs typeface="Muli"/>
-                <a:sym typeface="Muli"/>
               </a:rPr>
-              <a:t>intersections</a:t>
+              <a:t>1000.</a:t>
             </a:r>
-            <a:r>
-              <a:rPr lang="en-US" sz="1200" dirty="0">
-                <a:solidFill>
-                  <a:schemeClr val="tx1"/>
-                </a:solidFill>
-                <a:latin typeface="Barlow Semi Condensed" panose="020B0604020202020204" charset="0"/>
-                <a:ea typeface="Muli"/>
-                <a:cs typeface="Muli"/>
-                <a:sym typeface="Muli"/>
-              </a:rPr>
-              <a:t>, </a:t>
-            </a:r>
-            <a:r>
-              <a:rPr lang="en-US" sz="1200" b="1" dirty="0">
-                <a:solidFill>
-                  <a:schemeClr val="tx1"/>
-                </a:solidFill>
-                <a:latin typeface="Barlow Semi Condensed" panose="020B0604020202020204" charset="0"/>
-                <a:ea typeface="Muli"/>
-                <a:cs typeface="Muli"/>
-                <a:sym typeface="Muli"/>
-              </a:rPr>
-              <a:t>T-points</a:t>
-            </a:r>
-            <a:r>
-              <a:rPr lang="en-US" sz="1200" dirty="0">
-                <a:solidFill>
-                  <a:schemeClr val="tx1"/>
-                </a:solidFill>
-                <a:latin typeface="Barlow Semi Condensed" panose="020B0604020202020204" charset="0"/>
-                <a:ea typeface="Muli"/>
-                <a:cs typeface="Muli"/>
-                <a:sym typeface="Muli"/>
-              </a:rPr>
-              <a:t> </a:t>
-            </a:r>
-            <a:endParaRPr sz="1200" dirty="0">
+            <a:endParaRPr lang="en-US" b="1" dirty="0">
               <a:solidFill>
-                <a:schemeClr val="tx1"/>
-              </a:solidFill>
-              <a:latin typeface="Barlow Semi Condensed" panose="020B0604020202020204" charset="0"/>
-            </a:endParaRPr>
-          </a:p>
-          <a:p>
-            <a:pPr marL="0" marR="0" lvl="0" indent="0" algn="l" rtl="0">
-              <a:lnSpc>
-                <a:spcPct val="140050"/>
-              </a:lnSpc>
-              <a:spcBef>
-                <a:spcPts val="0"/>
-              </a:spcBef>
-              <a:spcAft>
-                <a:spcPts val="0"/>
-              </a:spcAft>
-              <a:buNone/>
-            </a:pPr>
-            <a:r>
-              <a:rPr lang="en-US" sz="1200" dirty="0">
-                <a:solidFill>
-                  <a:schemeClr val="tx1"/>
-                </a:solidFill>
-                <a:latin typeface="Barlow Semi Condensed" panose="020B0604020202020204" charset="0"/>
-                <a:ea typeface="Muli"/>
-                <a:cs typeface="Muli"/>
-                <a:sym typeface="Muli"/>
-              </a:rPr>
-              <a:t>and </a:t>
-            </a:r>
-            <a:r>
-              <a:rPr lang="en-US" sz="1200" b="1" dirty="0">
-                <a:solidFill>
-                  <a:schemeClr val="tx1"/>
-                </a:solidFill>
-                <a:latin typeface="Barlow Semi Condensed" panose="020B0604020202020204" charset="0"/>
-                <a:ea typeface="Muli"/>
-                <a:cs typeface="Muli"/>
-                <a:sym typeface="Muli"/>
-              </a:rPr>
-              <a:t>express highways</a:t>
-            </a:r>
-            <a:r>
-              <a:rPr lang="en-US" sz="1200" dirty="0">
-                <a:solidFill>
-                  <a:schemeClr val="tx1"/>
-                </a:solidFill>
-                <a:latin typeface="Barlow Semi Condensed" panose="020B0604020202020204" charset="0"/>
-                <a:ea typeface="Muli"/>
-                <a:cs typeface="Muli"/>
-                <a:sym typeface="Muli"/>
-              </a:rPr>
-              <a:t>.</a:t>
-            </a:r>
-            <a:endParaRPr sz="1200" dirty="0">
-              <a:solidFill>
-                <a:schemeClr val="tx1"/>
+                <a:schemeClr val="bg1"/>
               </a:solidFill>
               <a:latin typeface="Barlow Semi Condensed" panose="020B0604020202020204" charset="0"/>
             </a:endParaRPr>
           </a:p>
         </p:txBody>
       </p:sp>
+      <p:sp>
+        <p:nvSpPr>
+          <p:cNvPr id="3" name="Title 2">
+            <a:extLst>
+              <a:ext uri="{FF2B5EF4-FFF2-40B4-BE49-F238E27FC236}">
+                <a16:creationId xmlns:a16="http://schemas.microsoft.com/office/drawing/2014/main" id="{1B1E0EB6-233D-49D9-8D14-416603AEB236}"/>
+              </a:ext>
+            </a:extLst>
+          </p:cNvPr>
+          <p:cNvSpPr>
+            <a:spLocks noGrp="1"/>
+          </p:cNvSpPr>
+          <p:nvPr>
+            <p:ph type="ctrTitle"/>
+          </p:nvPr>
+        </p:nvSpPr>
+        <p:spPr/>
+        <p:txBody>
+          <a:bodyPr/>
+          <a:lstStyle/>
+          <a:p>
+            <a:r>
+              <a:rPr lang="en-US" dirty="0"/>
+              <a:t>BUSINESS MODEL</a:t>
+            </a:r>
+            <a:br>
+              <a:rPr lang="en-US" dirty="0"/>
+            </a:br>
+            <a:r>
+              <a:rPr lang="en-US" sz="1400" b="1" dirty="0">
+                <a:latin typeface="Barlow Semi Condensed" panose="020B0604020202020204" charset="0"/>
+              </a:rPr>
+              <a:t>THE FUTURE</a:t>
+            </a:r>
+            <a:endParaRPr lang="en-US" b="1" dirty="0">
+              <a:latin typeface="Barlow Semi Condensed" panose="020B0604020202020204" charset="0"/>
+            </a:endParaRPr>
+          </a:p>
+        </p:txBody>
+      </p:sp>
     </p:spTree>
+    <p:extLst>
+      <p:ext uri="{BB962C8B-B14F-4D97-AF65-F5344CB8AC3E}">
+        <p14:creationId xmlns:p14="http://schemas.microsoft.com/office/powerpoint/2010/main" val="1372869567"/>
+      </p:ext>
+    </p:extLst>
   </p:cSld>
   <p:clrMapOvr>
     <a:masterClrMapping/>

--- a/ppt.pptx
+++ b/ppt.pptx
@@ -24441,12 +24441,73 @@
             <a:pPr marL="152400" indent="0">
               <a:buNone/>
             </a:pPr>
+            <a:endParaRPr lang="en-US" dirty="0">
+              <a:solidFill>
+                <a:schemeClr val="bg1"/>
+              </a:solidFill>
+              <a:latin typeface="Barlow Semi Condensed" panose="020B0604020202020204" charset="0"/>
+            </a:endParaRPr>
+          </a:p>
+          <a:p>
+            <a:pPr marL="152400" indent="0">
+              <a:buNone/>
+            </a:pPr>
+            <a:r>
+              <a:rPr lang="en-US" sz="1400" b="1" dirty="0">
+                <a:solidFill>
+                  <a:schemeClr val="bg1"/>
+                </a:solidFill>
+                <a:latin typeface="Barlow Semi Condensed" panose="020B0604020202020204" charset="0"/>
+              </a:rPr>
+              <a:t>SUBSCRIPTION BASED MODEL</a:t>
+            </a:r>
             <a:endParaRPr lang="en-US" b="1" dirty="0">
               <a:solidFill>
                 <a:schemeClr val="bg1"/>
               </a:solidFill>
               <a:latin typeface="Barlow Semi Condensed" panose="020B0604020202020204" charset="0"/>
             </a:endParaRPr>
+          </a:p>
+          <a:p>
+            <a:pPr marL="152400" indent="0">
+              <a:buNone/>
+            </a:pPr>
+            <a:r>
+              <a:rPr lang="en-US" dirty="0">
+                <a:solidFill>
+                  <a:schemeClr val="bg1"/>
+                </a:solidFill>
+                <a:latin typeface="Barlow Semi Condensed" panose="020B0604020202020204" charset="0"/>
+              </a:rPr>
+              <a:t>The service would be </a:t>
+            </a:r>
+            <a:r>
+              <a:rPr lang="en-US" b="1" dirty="0">
+                <a:solidFill>
+                  <a:schemeClr val="bg1"/>
+                </a:solidFill>
+                <a:latin typeface="Barlow Semi Condensed" panose="020B0604020202020204" charset="0"/>
+              </a:rPr>
+              <a:t>free for the first year </a:t>
+            </a:r>
+            <a:r>
+              <a:rPr lang="en-US" dirty="0">
+                <a:solidFill>
+                  <a:schemeClr val="bg1"/>
+                </a:solidFill>
+                <a:latin typeface="Barlow Semi Condensed" panose="020B0604020202020204" charset="0"/>
+              </a:rPr>
+              <a:t>after which the operational cost for the service would be </a:t>
+            </a:r>
+            <a:r>
+              <a:rPr lang="en-US" b="1" dirty="0">
+                <a:solidFill>
+                  <a:schemeClr val="bg1"/>
+                </a:solidFill>
+                <a:latin typeface="Barlow Semi Condensed" panose="020B0604020202020204" charset="0"/>
+              </a:rPr>
+              <a:t>approx. Rs. 5,00,000 per state.</a:t>
+            </a:r>
           </a:p>
         </p:txBody>
       </p:sp>
@@ -24771,23 +24832,8 @@
                 </a:solidFill>
                 <a:latin typeface="Barlow Semi Condensed" panose="020B0604020202020204" charset="0"/>
               </a:rPr>
-              <a:t>Rs. </a:t>
+              <a:t>Rs. 1000.</a:t>
             </a:r>
-            <a:r>
-              <a:rPr lang="en-US" b="1">
-                <a:solidFill>
-                  <a:schemeClr val="bg1"/>
-                </a:solidFill>
-                <a:latin typeface="Barlow Semi Condensed" panose="020B0604020202020204" charset="0"/>
-              </a:rPr>
-              <a:t>1000.</a:t>
-            </a:r>
-            <a:endParaRPr lang="en-US" b="1" dirty="0">
-              <a:solidFill>
-                <a:schemeClr val="bg1"/>
-              </a:solidFill>
-              <a:latin typeface="Barlow Semi Condensed" panose="020B0604020202020204" charset="0"/>
-            </a:endParaRPr>
           </a:p>
         </p:txBody>
       </p:sp>
